--- a/João Vitor (Jão)/manual3.pptx
+++ b/João Vitor (Jão)/manual3.pptx
@@ -4,6 +4,9 @@
   <p:sldMasterIdLst>
     <p:sldMasterId id="2147483648" r:id="rId1"/>
   </p:sldMasterIdLst>
+  <p:notesMasterIdLst>
+    <p:notesMasterId r:id="rId14"/>
+  </p:notesMasterIdLst>
   <p:sldIdLst>
     <p:sldId id="258" r:id="rId2"/>
     <p:sldId id="267" r:id="rId3"/>
@@ -12,9 +15,11 @@
     <p:sldId id="262" r:id="rId6"/>
     <p:sldId id="263" r:id="rId7"/>
     <p:sldId id="264" r:id="rId8"/>
-    <p:sldId id="256" r:id="rId9"/>
-    <p:sldId id="268" r:id="rId10"/>
-    <p:sldId id="265" r:id="rId11"/>
+    <p:sldId id="269" r:id="rId9"/>
+    <p:sldId id="256" r:id="rId10"/>
+    <p:sldId id="270" r:id="rId11"/>
+    <p:sldId id="265" r:id="rId12"/>
+    <p:sldId id="268" r:id="rId13"/>
   </p:sldIdLst>
   <p:sldSz cx="12192000" cy="6858000"/>
   <p:notesSz cx="6858000" cy="9144000"/>
@@ -116,6 +121,434 @@
 </p:presentation>
 </file>
 
+<file path=ppt/notesMasters/notesMaster1.xml><?xml version="1.0" encoding="utf-8"?>
+<p:notesMaster xmlns:a="http://schemas.openxmlformats.org/drawingml/2006/main" xmlns:r="http://schemas.openxmlformats.org/officeDocument/2006/relationships" xmlns:p="http://schemas.openxmlformats.org/presentationml/2006/main">
+  <p:cSld>
+    <p:bg>
+      <p:bgRef idx="1001">
+        <a:schemeClr val="bg1"/>
+      </p:bgRef>
+    </p:bg>
+    <p:spTree>
+      <p:nvGrpSpPr>
+        <p:cNvPr id="1" name=""/>
+        <p:cNvGrpSpPr/>
+        <p:nvPr/>
+      </p:nvGrpSpPr>
+      <p:grpSpPr>
+        <a:xfrm>
+          <a:off x="0" y="0"/>
+          <a:ext cx="0" cy="0"/>
+          <a:chOff x="0" y="0"/>
+          <a:chExt cx="0" cy="0"/>
+        </a:xfrm>
+      </p:grpSpPr>
+      <p:sp>
+        <p:nvSpPr>
+          <p:cNvPr id="2" name="Espaço Reservado para Cabeçalho 1"/>
+          <p:cNvSpPr>
+            <a:spLocks noGrp="1"/>
+          </p:cNvSpPr>
+          <p:nvPr>
+            <p:ph type="hdr" sz="quarter"/>
+          </p:nvPr>
+        </p:nvSpPr>
+        <p:spPr>
+          <a:xfrm>
+            <a:off x="0" y="0"/>
+            <a:ext cx="2971800" cy="457200"/>
+          </a:xfrm>
+          <a:prstGeom prst="rect">
+            <a:avLst/>
+          </a:prstGeom>
+        </p:spPr>
+        <p:txBody>
+          <a:bodyPr vert="horz" lIns="91440" tIns="45720" rIns="91440" bIns="45720" rtlCol="0"/>
+          <a:lstStyle>
+            <a:lvl1pPr algn="l">
+              <a:defRPr sz="1200"/>
+            </a:lvl1pPr>
+          </a:lstStyle>
+          <a:p>
+            <a:endParaRPr lang="pt-BR"/>
+          </a:p>
+        </p:txBody>
+      </p:sp>
+      <p:sp>
+        <p:nvSpPr>
+          <p:cNvPr id="3" name="Espaço Reservado para Data 2"/>
+          <p:cNvSpPr>
+            <a:spLocks noGrp="1"/>
+          </p:cNvSpPr>
+          <p:nvPr>
+            <p:ph type="dt" idx="1"/>
+          </p:nvPr>
+        </p:nvSpPr>
+        <p:spPr>
+          <a:xfrm>
+            <a:off x="3884613" y="0"/>
+            <a:ext cx="2971800" cy="457200"/>
+          </a:xfrm>
+          <a:prstGeom prst="rect">
+            <a:avLst/>
+          </a:prstGeom>
+        </p:spPr>
+        <p:txBody>
+          <a:bodyPr vert="horz" lIns="91440" tIns="45720" rIns="91440" bIns="45720" rtlCol="0"/>
+          <a:lstStyle>
+            <a:lvl1pPr algn="r">
+              <a:defRPr sz="1200"/>
+            </a:lvl1pPr>
+          </a:lstStyle>
+          <a:p>
+            <a:fld id="{17906EE0-17E3-4F46-B0F5-86B8AE4BAB7C}" type="datetimeFigureOut">
+              <a:rPr lang="pt-BR" smtClean="0"/>
+              <a:t>21/10/2019</a:t>
+            </a:fld>
+            <a:endParaRPr lang="pt-BR"/>
+          </a:p>
+        </p:txBody>
+      </p:sp>
+      <p:sp>
+        <p:nvSpPr>
+          <p:cNvPr id="4" name="Espaço Reservado para Imagem de Slide 3"/>
+          <p:cNvSpPr>
+            <a:spLocks noGrp="1" noRot="1" noChangeAspect="1"/>
+          </p:cNvSpPr>
+          <p:nvPr>
+            <p:ph type="sldImg" idx="2"/>
+          </p:nvPr>
+        </p:nvSpPr>
+        <p:spPr>
+          <a:xfrm>
+            <a:off x="381000" y="685800"/>
+            <a:ext cx="6096000" cy="3429000"/>
+          </a:xfrm>
+          <a:prstGeom prst="rect">
+            <a:avLst/>
+          </a:prstGeom>
+          <a:noFill/>
+          <a:ln w="12700">
+            <a:solidFill>
+              <a:prstClr val="black"/>
+            </a:solidFill>
+          </a:ln>
+        </p:spPr>
+        <p:txBody>
+          <a:bodyPr vert="horz" lIns="91440" tIns="45720" rIns="91440" bIns="45720" rtlCol="0" anchor="ctr"/>
+          <a:lstStyle/>
+          <a:p>
+            <a:endParaRPr lang="pt-BR"/>
+          </a:p>
+        </p:txBody>
+      </p:sp>
+      <p:sp>
+        <p:nvSpPr>
+          <p:cNvPr id="5" name="Espaço Reservado para Anotações 4"/>
+          <p:cNvSpPr>
+            <a:spLocks noGrp="1"/>
+          </p:cNvSpPr>
+          <p:nvPr>
+            <p:ph type="body" sz="quarter" idx="3"/>
+          </p:nvPr>
+        </p:nvSpPr>
+        <p:spPr>
+          <a:xfrm>
+            <a:off x="685800" y="4343400"/>
+            <a:ext cx="5486400" cy="4114800"/>
+          </a:xfrm>
+          <a:prstGeom prst="rect">
+            <a:avLst/>
+          </a:prstGeom>
+        </p:spPr>
+        <p:txBody>
+          <a:bodyPr vert="horz" lIns="91440" tIns="45720" rIns="91440" bIns="45720" rtlCol="0">
+            <a:normAutofit/>
+          </a:bodyPr>
+          <a:lstStyle/>
+          <a:p>
+            <a:pPr lvl="0"/>
+            <a:r>
+              <a:rPr lang="pt-BR" smtClean="0"/>
+              <a:t>Clique para editar os estilos do texto mestre</a:t>
+            </a:r>
+          </a:p>
+          <a:p>
+            <a:pPr lvl="1"/>
+            <a:r>
+              <a:rPr lang="pt-BR" smtClean="0"/>
+              <a:t>Segundo nível</a:t>
+            </a:r>
+          </a:p>
+          <a:p>
+            <a:pPr lvl="2"/>
+            <a:r>
+              <a:rPr lang="pt-BR" smtClean="0"/>
+              <a:t>Terceiro nível</a:t>
+            </a:r>
+          </a:p>
+          <a:p>
+            <a:pPr lvl="3"/>
+            <a:r>
+              <a:rPr lang="pt-BR" smtClean="0"/>
+              <a:t>Quarto nível</a:t>
+            </a:r>
+          </a:p>
+          <a:p>
+            <a:pPr lvl="4"/>
+            <a:r>
+              <a:rPr lang="pt-BR" smtClean="0"/>
+              <a:t>Quinto nível</a:t>
+            </a:r>
+            <a:endParaRPr lang="pt-BR"/>
+          </a:p>
+        </p:txBody>
+      </p:sp>
+      <p:sp>
+        <p:nvSpPr>
+          <p:cNvPr id="6" name="Espaço Reservado para Rodapé 5"/>
+          <p:cNvSpPr>
+            <a:spLocks noGrp="1"/>
+          </p:cNvSpPr>
+          <p:nvPr>
+            <p:ph type="ftr" sz="quarter" idx="4"/>
+          </p:nvPr>
+        </p:nvSpPr>
+        <p:spPr>
+          <a:xfrm>
+            <a:off x="0" y="8685213"/>
+            <a:ext cx="2971800" cy="457200"/>
+          </a:xfrm>
+          <a:prstGeom prst="rect">
+            <a:avLst/>
+          </a:prstGeom>
+        </p:spPr>
+        <p:txBody>
+          <a:bodyPr vert="horz" lIns="91440" tIns="45720" rIns="91440" bIns="45720" rtlCol="0" anchor="b"/>
+          <a:lstStyle>
+            <a:lvl1pPr algn="l">
+              <a:defRPr sz="1200"/>
+            </a:lvl1pPr>
+          </a:lstStyle>
+          <a:p>
+            <a:endParaRPr lang="pt-BR"/>
+          </a:p>
+        </p:txBody>
+      </p:sp>
+      <p:sp>
+        <p:nvSpPr>
+          <p:cNvPr id="7" name="Espaço Reservado para Número de Slide 6"/>
+          <p:cNvSpPr>
+            <a:spLocks noGrp="1"/>
+          </p:cNvSpPr>
+          <p:nvPr>
+            <p:ph type="sldNum" sz="quarter" idx="5"/>
+          </p:nvPr>
+        </p:nvSpPr>
+        <p:spPr>
+          <a:xfrm>
+            <a:off x="3884613" y="8685213"/>
+            <a:ext cx="2971800" cy="457200"/>
+          </a:xfrm>
+          <a:prstGeom prst="rect">
+            <a:avLst/>
+          </a:prstGeom>
+        </p:spPr>
+        <p:txBody>
+          <a:bodyPr vert="horz" lIns="91440" tIns="45720" rIns="91440" bIns="45720" rtlCol="0" anchor="b"/>
+          <a:lstStyle>
+            <a:lvl1pPr algn="r">
+              <a:defRPr sz="1200"/>
+            </a:lvl1pPr>
+          </a:lstStyle>
+          <a:p>
+            <a:fld id="{0730E0A3-F43F-4927-81C4-7885CC6CD23F}" type="slidenum">
+              <a:rPr lang="pt-BR" smtClean="0"/>
+              <a:t>‹nº›</a:t>
+            </a:fld>
+            <a:endParaRPr lang="pt-BR"/>
+          </a:p>
+        </p:txBody>
+      </p:sp>
+    </p:spTree>
+  </p:cSld>
+  <p:clrMap bg1="lt1" tx1="dk1" bg2="lt2" tx2="dk2" accent1="accent1" accent2="accent2" accent3="accent3" accent4="accent4" accent5="accent5" accent6="accent6" hlink="hlink" folHlink="folHlink"/>
+  <p:notesStyle>
+    <a:lvl1pPr marL="0" algn="l" defTabSz="914400" rtl="0" eaLnBrk="1" latinLnBrk="0" hangingPunct="1">
+      <a:defRPr sz="1200" kern="1200">
+        <a:solidFill>
+          <a:schemeClr val="tx1"/>
+        </a:solidFill>
+        <a:latin typeface="+mn-lt"/>
+        <a:ea typeface="+mn-ea"/>
+        <a:cs typeface="+mn-cs"/>
+      </a:defRPr>
+    </a:lvl1pPr>
+    <a:lvl2pPr marL="457200" algn="l" defTabSz="914400" rtl="0" eaLnBrk="1" latinLnBrk="0" hangingPunct="1">
+      <a:defRPr sz="1200" kern="1200">
+        <a:solidFill>
+          <a:schemeClr val="tx1"/>
+        </a:solidFill>
+        <a:latin typeface="+mn-lt"/>
+        <a:ea typeface="+mn-ea"/>
+        <a:cs typeface="+mn-cs"/>
+      </a:defRPr>
+    </a:lvl2pPr>
+    <a:lvl3pPr marL="914400" algn="l" defTabSz="914400" rtl="0" eaLnBrk="1" latinLnBrk="0" hangingPunct="1">
+      <a:defRPr sz="1200" kern="1200">
+        <a:solidFill>
+          <a:schemeClr val="tx1"/>
+        </a:solidFill>
+        <a:latin typeface="+mn-lt"/>
+        <a:ea typeface="+mn-ea"/>
+        <a:cs typeface="+mn-cs"/>
+      </a:defRPr>
+    </a:lvl3pPr>
+    <a:lvl4pPr marL="1371600" algn="l" defTabSz="914400" rtl="0" eaLnBrk="1" latinLnBrk="0" hangingPunct="1">
+      <a:defRPr sz="1200" kern="1200">
+        <a:solidFill>
+          <a:schemeClr val="tx1"/>
+        </a:solidFill>
+        <a:latin typeface="+mn-lt"/>
+        <a:ea typeface="+mn-ea"/>
+        <a:cs typeface="+mn-cs"/>
+      </a:defRPr>
+    </a:lvl4pPr>
+    <a:lvl5pPr marL="1828800" algn="l" defTabSz="914400" rtl="0" eaLnBrk="1" latinLnBrk="0" hangingPunct="1">
+      <a:defRPr sz="1200" kern="1200">
+        <a:solidFill>
+          <a:schemeClr val="tx1"/>
+        </a:solidFill>
+        <a:latin typeface="+mn-lt"/>
+        <a:ea typeface="+mn-ea"/>
+        <a:cs typeface="+mn-cs"/>
+      </a:defRPr>
+    </a:lvl5pPr>
+    <a:lvl6pPr marL="2286000" algn="l" defTabSz="914400" rtl="0" eaLnBrk="1" latinLnBrk="0" hangingPunct="1">
+      <a:defRPr sz="1200" kern="1200">
+        <a:solidFill>
+          <a:schemeClr val="tx1"/>
+        </a:solidFill>
+        <a:latin typeface="+mn-lt"/>
+        <a:ea typeface="+mn-ea"/>
+        <a:cs typeface="+mn-cs"/>
+      </a:defRPr>
+    </a:lvl6pPr>
+    <a:lvl7pPr marL="2743200" algn="l" defTabSz="914400" rtl="0" eaLnBrk="1" latinLnBrk="0" hangingPunct="1">
+      <a:defRPr sz="1200" kern="1200">
+        <a:solidFill>
+          <a:schemeClr val="tx1"/>
+        </a:solidFill>
+        <a:latin typeface="+mn-lt"/>
+        <a:ea typeface="+mn-ea"/>
+        <a:cs typeface="+mn-cs"/>
+      </a:defRPr>
+    </a:lvl7pPr>
+    <a:lvl8pPr marL="3200400" algn="l" defTabSz="914400" rtl="0" eaLnBrk="1" latinLnBrk="0" hangingPunct="1">
+      <a:defRPr sz="1200" kern="1200">
+        <a:solidFill>
+          <a:schemeClr val="tx1"/>
+        </a:solidFill>
+        <a:latin typeface="+mn-lt"/>
+        <a:ea typeface="+mn-ea"/>
+        <a:cs typeface="+mn-cs"/>
+      </a:defRPr>
+    </a:lvl8pPr>
+    <a:lvl9pPr marL="3657600" algn="l" defTabSz="914400" rtl="0" eaLnBrk="1" latinLnBrk="0" hangingPunct="1">
+      <a:defRPr sz="1200" kern="1200">
+        <a:solidFill>
+          <a:schemeClr val="tx1"/>
+        </a:solidFill>
+        <a:latin typeface="+mn-lt"/>
+        <a:ea typeface="+mn-ea"/>
+        <a:cs typeface="+mn-cs"/>
+      </a:defRPr>
+    </a:lvl9pPr>
+  </p:notesStyle>
+</p:notesMaster>
+</file>
+
+<file path=ppt/notesSlides/notesSlide1.xml><?xml version="1.0" encoding="utf-8"?>
+<p:notes xmlns:a="http://schemas.openxmlformats.org/drawingml/2006/main" xmlns:r="http://schemas.openxmlformats.org/officeDocument/2006/relationships" xmlns:p="http://schemas.openxmlformats.org/presentationml/2006/main">
+  <p:cSld>
+    <p:spTree>
+      <p:nvGrpSpPr>
+        <p:cNvPr id="1" name=""/>
+        <p:cNvGrpSpPr/>
+        <p:nvPr/>
+      </p:nvGrpSpPr>
+      <p:grpSpPr>
+        <a:xfrm>
+          <a:off x="0" y="0"/>
+          <a:ext cx="0" cy="0"/>
+          <a:chOff x="0" y="0"/>
+          <a:chExt cx="0" cy="0"/>
+        </a:xfrm>
+      </p:grpSpPr>
+      <p:sp>
+        <p:nvSpPr>
+          <p:cNvPr id="2" name="Espaço Reservado para Imagem de Slide 1"/>
+          <p:cNvSpPr>
+            <a:spLocks noGrp="1" noRot="1" noChangeAspect="1"/>
+          </p:cNvSpPr>
+          <p:nvPr>
+            <p:ph type="sldImg"/>
+          </p:nvPr>
+        </p:nvSpPr>
+        <p:spPr/>
+      </p:sp>
+      <p:sp>
+        <p:nvSpPr>
+          <p:cNvPr id="3" name="Espaço Reservado para Anotações 2"/>
+          <p:cNvSpPr>
+            <a:spLocks noGrp="1"/>
+          </p:cNvSpPr>
+          <p:nvPr>
+            <p:ph type="body" idx="1"/>
+          </p:nvPr>
+        </p:nvSpPr>
+        <p:spPr/>
+        <p:txBody>
+          <a:bodyPr>
+            <a:normAutofit/>
+          </a:bodyPr>
+          <a:lstStyle/>
+          <a:p>
+            <a:endParaRPr lang="pt-BR" dirty="0"/>
+          </a:p>
+        </p:txBody>
+      </p:sp>
+      <p:sp>
+        <p:nvSpPr>
+          <p:cNvPr id="4" name="Espaço Reservado para Número de Slide 3"/>
+          <p:cNvSpPr>
+            <a:spLocks noGrp="1"/>
+          </p:cNvSpPr>
+          <p:nvPr>
+            <p:ph type="sldNum" sz="quarter" idx="10"/>
+          </p:nvPr>
+        </p:nvSpPr>
+        <p:spPr/>
+        <p:txBody>
+          <a:bodyPr/>
+          <a:lstStyle/>
+          <a:p>
+            <a:fld id="{0730E0A3-F43F-4927-81C4-7885CC6CD23F}" type="slidenum">
+              <a:rPr lang="pt-BR" smtClean="0"/>
+              <a:t>9</a:t>
+            </a:fld>
+            <a:endParaRPr lang="pt-BR"/>
+          </a:p>
+        </p:txBody>
+      </p:sp>
+    </p:spTree>
+  </p:cSld>
+  <p:clrMapOvr>
+    <a:masterClrMapping/>
+  </p:clrMapOvr>
+</p:notes>
+</file>
+
 <file path=ppt/slideLayouts/slideLayout1.xml><?xml version="1.0" encoding="utf-8"?>
 <p:sldLayout xmlns:a="http://schemas.openxmlformats.org/drawingml/2006/main" xmlns:r="http://schemas.openxmlformats.org/officeDocument/2006/relationships" xmlns:p="http://schemas.openxmlformats.org/presentationml/2006/main" type="title" preserve="1">
   <p:cSld name="Slide de Título">
@@ -247,6 +680,7 @@
           <a:p>
             <a:fld id="{190EC4ED-41BE-4388-B2C3-FF75B671EFC1}" type="datetimeFigureOut">
               <a:rPr lang="pt-BR" smtClean="0"/>
+              <a:pPr/>
               <a:t>21/10/2019</a:t>
             </a:fld>
             <a:endParaRPr lang="pt-BR"/>
@@ -289,6 +723,7 @@
           <a:p>
             <a:fld id="{030ADF0E-5723-4925-88E6-60F00B7764F2}" type="slidenum">
               <a:rPr lang="pt-BR" smtClean="0"/>
+              <a:pPr/>
               <a:t>‹nº›</a:t>
             </a:fld>
             <a:endParaRPr lang="pt-BR"/>
@@ -298,7 +733,7 @@
     </p:spTree>
     <p:extLst>
       <p:ext uri="{BB962C8B-B14F-4D97-AF65-F5344CB8AC3E}">
-        <p14:creationId xmlns:p14="http://schemas.microsoft.com/office/powerpoint/2010/main" val="623977542"/>
+        <p14:creationId xmlns:p14="http://schemas.microsoft.com/office/powerpoint/2010/main" xmlns="" val="623977542"/>
       </p:ext>
     </p:extLst>
   </p:cSld>
@@ -417,6 +852,7 @@
           <a:p>
             <a:fld id="{190EC4ED-41BE-4388-B2C3-FF75B671EFC1}" type="datetimeFigureOut">
               <a:rPr lang="pt-BR" smtClean="0"/>
+              <a:pPr/>
               <a:t>21/10/2019</a:t>
             </a:fld>
             <a:endParaRPr lang="pt-BR"/>
@@ -459,6 +895,7 @@
           <a:p>
             <a:fld id="{030ADF0E-5723-4925-88E6-60F00B7764F2}" type="slidenum">
               <a:rPr lang="pt-BR" smtClean="0"/>
+              <a:pPr/>
               <a:t>‹nº›</a:t>
             </a:fld>
             <a:endParaRPr lang="pt-BR"/>
@@ -468,7 +905,7 @@
     </p:spTree>
     <p:extLst>
       <p:ext uri="{BB962C8B-B14F-4D97-AF65-F5344CB8AC3E}">
-        <p14:creationId xmlns:p14="http://schemas.microsoft.com/office/powerpoint/2010/main" val="2388256898"/>
+        <p14:creationId xmlns:p14="http://schemas.microsoft.com/office/powerpoint/2010/main" xmlns="" val="2388256898"/>
       </p:ext>
     </p:extLst>
   </p:cSld>
@@ -597,6 +1034,7 @@
           <a:p>
             <a:fld id="{190EC4ED-41BE-4388-B2C3-FF75B671EFC1}" type="datetimeFigureOut">
               <a:rPr lang="pt-BR" smtClean="0"/>
+              <a:pPr/>
               <a:t>21/10/2019</a:t>
             </a:fld>
             <a:endParaRPr lang="pt-BR"/>
@@ -639,6 +1077,7 @@
           <a:p>
             <a:fld id="{030ADF0E-5723-4925-88E6-60F00B7764F2}" type="slidenum">
               <a:rPr lang="pt-BR" smtClean="0"/>
+              <a:pPr/>
               <a:t>‹nº›</a:t>
             </a:fld>
             <a:endParaRPr lang="pt-BR"/>
@@ -648,7 +1087,7 @@
     </p:spTree>
     <p:extLst>
       <p:ext uri="{BB962C8B-B14F-4D97-AF65-F5344CB8AC3E}">
-        <p14:creationId xmlns:p14="http://schemas.microsoft.com/office/powerpoint/2010/main" val="2382800343"/>
+        <p14:creationId xmlns:p14="http://schemas.microsoft.com/office/powerpoint/2010/main" xmlns="" val="2382800343"/>
       </p:ext>
     </p:extLst>
   </p:cSld>
@@ -767,6 +1206,7 @@
           <a:p>
             <a:fld id="{190EC4ED-41BE-4388-B2C3-FF75B671EFC1}" type="datetimeFigureOut">
               <a:rPr lang="pt-BR" smtClean="0"/>
+              <a:pPr/>
               <a:t>21/10/2019</a:t>
             </a:fld>
             <a:endParaRPr lang="pt-BR"/>
@@ -809,6 +1249,7 @@
           <a:p>
             <a:fld id="{030ADF0E-5723-4925-88E6-60F00B7764F2}" type="slidenum">
               <a:rPr lang="pt-BR" smtClean="0"/>
+              <a:pPr/>
               <a:t>‹nº›</a:t>
             </a:fld>
             <a:endParaRPr lang="pt-BR"/>
@@ -818,7 +1259,7 @@
     </p:spTree>
     <p:extLst>
       <p:ext uri="{BB962C8B-B14F-4D97-AF65-F5344CB8AC3E}">
-        <p14:creationId xmlns:p14="http://schemas.microsoft.com/office/powerpoint/2010/main" val="2045722638"/>
+        <p14:creationId xmlns:p14="http://schemas.microsoft.com/office/powerpoint/2010/main" xmlns="" val="2045722638"/>
       </p:ext>
     </p:extLst>
   </p:cSld>
@@ -1013,6 +1454,7 @@
           <a:p>
             <a:fld id="{190EC4ED-41BE-4388-B2C3-FF75B671EFC1}" type="datetimeFigureOut">
               <a:rPr lang="pt-BR" smtClean="0"/>
+              <a:pPr/>
               <a:t>21/10/2019</a:t>
             </a:fld>
             <a:endParaRPr lang="pt-BR"/>
@@ -1055,6 +1497,7 @@
           <a:p>
             <a:fld id="{030ADF0E-5723-4925-88E6-60F00B7764F2}" type="slidenum">
               <a:rPr lang="pt-BR" smtClean="0"/>
+              <a:pPr/>
               <a:t>‹nº›</a:t>
             </a:fld>
             <a:endParaRPr lang="pt-BR"/>
@@ -1064,7 +1507,7 @@
     </p:spTree>
     <p:extLst>
       <p:ext uri="{BB962C8B-B14F-4D97-AF65-F5344CB8AC3E}">
-        <p14:creationId xmlns:p14="http://schemas.microsoft.com/office/powerpoint/2010/main" val="2721925012"/>
+        <p14:creationId xmlns:p14="http://schemas.microsoft.com/office/powerpoint/2010/main" xmlns="" val="2721925012"/>
       </p:ext>
     </p:extLst>
   </p:cSld>
@@ -1245,6 +1688,7 @@
           <a:p>
             <a:fld id="{190EC4ED-41BE-4388-B2C3-FF75B671EFC1}" type="datetimeFigureOut">
               <a:rPr lang="pt-BR" smtClean="0"/>
+              <a:pPr/>
               <a:t>21/10/2019</a:t>
             </a:fld>
             <a:endParaRPr lang="pt-BR"/>
@@ -1287,6 +1731,7 @@
           <a:p>
             <a:fld id="{030ADF0E-5723-4925-88E6-60F00B7764F2}" type="slidenum">
               <a:rPr lang="pt-BR" smtClean="0"/>
+              <a:pPr/>
               <a:t>‹nº›</a:t>
             </a:fld>
             <a:endParaRPr lang="pt-BR"/>
@@ -1296,7 +1741,7 @@
     </p:spTree>
     <p:extLst>
       <p:ext uri="{BB962C8B-B14F-4D97-AF65-F5344CB8AC3E}">
-        <p14:creationId xmlns:p14="http://schemas.microsoft.com/office/powerpoint/2010/main" val="2112044697"/>
+        <p14:creationId xmlns:p14="http://schemas.microsoft.com/office/powerpoint/2010/main" xmlns="" val="2112044697"/>
       </p:ext>
     </p:extLst>
   </p:cSld>
@@ -1612,6 +2057,7 @@
           <a:p>
             <a:fld id="{190EC4ED-41BE-4388-B2C3-FF75B671EFC1}" type="datetimeFigureOut">
               <a:rPr lang="pt-BR" smtClean="0"/>
+              <a:pPr/>
               <a:t>21/10/2019</a:t>
             </a:fld>
             <a:endParaRPr lang="pt-BR"/>
@@ -1654,6 +2100,7 @@
           <a:p>
             <a:fld id="{030ADF0E-5723-4925-88E6-60F00B7764F2}" type="slidenum">
               <a:rPr lang="pt-BR" smtClean="0"/>
+              <a:pPr/>
               <a:t>‹nº›</a:t>
             </a:fld>
             <a:endParaRPr lang="pt-BR"/>
@@ -1663,7 +2110,7 @@
     </p:spTree>
     <p:extLst>
       <p:ext uri="{BB962C8B-B14F-4D97-AF65-F5344CB8AC3E}">
-        <p14:creationId xmlns:p14="http://schemas.microsoft.com/office/powerpoint/2010/main" val="3347160983"/>
+        <p14:creationId xmlns:p14="http://schemas.microsoft.com/office/powerpoint/2010/main" xmlns="" val="3347160983"/>
       </p:ext>
     </p:extLst>
   </p:cSld>
@@ -1730,6 +2177,7 @@
           <a:p>
             <a:fld id="{190EC4ED-41BE-4388-B2C3-FF75B671EFC1}" type="datetimeFigureOut">
               <a:rPr lang="pt-BR" smtClean="0"/>
+              <a:pPr/>
               <a:t>21/10/2019</a:t>
             </a:fld>
             <a:endParaRPr lang="pt-BR"/>
@@ -1772,6 +2220,7 @@
           <a:p>
             <a:fld id="{030ADF0E-5723-4925-88E6-60F00B7764F2}" type="slidenum">
               <a:rPr lang="pt-BR" smtClean="0"/>
+              <a:pPr/>
               <a:t>‹nº›</a:t>
             </a:fld>
             <a:endParaRPr lang="pt-BR"/>
@@ -1781,7 +2230,7 @@
     </p:spTree>
     <p:extLst>
       <p:ext uri="{BB962C8B-B14F-4D97-AF65-F5344CB8AC3E}">
-        <p14:creationId xmlns:p14="http://schemas.microsoft.com/office/powerpoint/2010/main" val="3327324817"/>
+        <p14:creationId xmlns:p14="http://schemas.microsoft.com/office/powerpoint/2010/main" xmlns="" val="3327324817"/>
       </p:ext>
     </p:extLst>
   </p:cSld>
@@ -1825,6 +2274,7 @@
           <a:p>
             <a:fld id="{190EC4ED-41BE-4388-B2C3-FF75B671EFC1}" type="datetimeFigureOut">
               <a:rPr lang="pt-BR" smtClean="0"/>
+              <a:pPr/>
               <a:t>21/10/2019</a:t>
             </a:fld>
             <a:endParaRPr lang="pt-BR"/>
@@ -1867,6 +2317,7 @@
           <a:p>
             <a:fld id="{030ADF0E-5723-4925-88E6-60F00B7764F2}" type="slidenum">
               <a:rPr lang="pt-BR" smtClean="0"/>
+              <a:pPr/>
               <a:t>‹nº›</a:t>
             </a:fld>
             <a:endParaRPr lang="pt-BR"/>
@@ -1876,7 +2327,7 @@
     </p:spTree>
     <p:extLst>
       <p:ext uri="{BB962C8B-B14F-4D97-AF65-F5344CB8AC3E}">
-        <p14:creationId xmlns:p14="http://schemas.microsoft.com/office/powerpoint/2010/main" val="2127675938"/>
+        <p14:creationId xmlns:p14="http://schemas.microsoft.com/office/powerpoint/2010/main" xmlns="" val="2127675938"/>
       </p:ext>
     </p:extLst>
   </p:cSld>
@@ -2102,6 +2553,7 @@
           <a:p>
             <a:fld id="{190EC4ED-41BE-4388-B2C3-FF75B671EFC1}" type="datetimeFigureOut">
               <a:rPr lang="pt-BR" smtClean="0"/>
+              <a:pPr/>
               <a:t>21/10/2019</a:t>
             </a:fld>
             <a:endParaRPr lang="pt-BR"/>
@@ -2144,6 +2596,7 @@
           <a:p>
             <a:fld id="{030ADF0E-5723-4925-88E6-60F00B7764F2}" type="slidenum">
               <a:rPr lang="pt-BR" smtClean="0"/>
+              <a:pPr/>
               <a:t>‹nº›</a:t>
             </a:fld>
             <a:endParaRPr lang="pt-BR"/>
@@ -2153,7 +2606,7 @@
     </p:spTree>
     <p:extLst>
       <p:ext uri="{BB962C8B-B14F-4D97-AF65-F5344CB8AC3E}">
-        <p14:creationId xmlns:p14="http://schemas.microsoft.com/office/powerpoint/2010/main" val="3917888342"/>
+        <p14:creationId xmlns:p14="http://schemas.microsoft.com/office/powerpoint/2010/main" xmlns="" val="3917888342"/>
       </p:ext>
     </p:extLst>
   </p:cSld>
@@ -2355,6 +2808,7 @@
           <a:p>
             <a:fld id="{190EC4ED-41BE-4388-B2C3-FF75B671EFC1}" type="datetimeFigureOut">
               <a:rPr lang="pt-BR" smtClean="0"/>
+              <a:pPr/>
               <a:t>21/10/2019</a:t>
             </a:fld>
             <a:endParaRPr lang="pt-BR"/>
@@ -2397,6 +2851,7 @@
           <a:p>
             <a:fld id="{030ADF0E-5723-4925-88E6-60F00B7764F2}" type="slidenum">
               <a:rPr lang="pt-BR" smtClean="0"/>
+              <a:pPr/>
               <a:t>‹nº›</a:t>
             </a:fld>
             <a:endParaRPr lang="pt-BR"/>
@@ -2406,7 +2861,7 @@
     </p:spTree>
     <p:extLst>
       <p:ext uri="{BB962C8B-B14F-4D97-AF65-F5344CB8AC3E}">
-        <p14:creationId xmlns:p14="http://schemas.microsoft.com/office/powerpoint/2010/main" val="337892622"/>
+        <p14:creationId xmlns:p14="http://schemas.microsoft.com/office/powerpoint/2010/main" xmlns="" val="337892622"/>
       </p:ext>
     </p:extLst>
   </p:cSld>
@@ -2568,6 +3023,7 @@
           <a:p>
             <a:fld id="{190EC4ED-41BE-4388-B2C3-FF75B671EFC1}" type="datetimeFigureOut">
               <a:rPr lang="pt-BR" smtClean="0"/>
+              <a:pPr/>
               <a:t>21/10/2019</a:t>
             </a:fld>
             <a:endParaRPr lang="pt-BR"/>
@@ -2646,6 +3102,7 @@
           <a:p>
             <a:fld id="{030ADF0E-5723-4925-88E6-60F00B7764F2}" type="slidenum">
               <a:rPr lang="pt-BR" smtClean="0"/>
+              <a:pPr/>
               <a:t>‹nº›</a:t>
             </a:fld>
             <a:endParaRPr lang="pt-BR"/>
@@ -2655,7 +3112,7 @@
     </p:spTree>
     <p:extLst>
       <p:ext uri="{BB962C8B-B14F-4D97-AF65-F5344CB8AC3E}">
-        <p14:creationId xmlns:p14="http://schemas.microsoft.com/office/powerpoint/2010/main" val="4274500773"/>
+        <p14:creationId xmlns:p14="http://schemas.microsoft.com/office/powerpoint/2010/main" xmlns="" val="4274500773"/>
       </p:ext>
     </p:extLst>
   </p:cSld>
@@ -2983,7 +3440,7 @@
           <a:blip r:embed="rId2" cstate="print">
             <a:extLst>
               <a:ext uri="{28A0092B-C50C-407E-A947-70E740481C1C}">
-                <a14:useLocalDpi xmlns:a14="http://schemas.microsoft.com/office/drawing/2010/main" val="0"/>
+                <a14:useLocalDpi xmlns:a14="http://schemas.microsoft.com/office/drawing/2010/main" xmlns="" val="0"/>
               </a:ext>
             </a:extLst>
           </a:blip>
@@ -3123,7 +3580,7 @@
     </p:spTree>
     <p:extLst>
       <p:ext uri="{BB962C8B-B14F-4D97-AF65-F5344CB8AC3E}">
-        <p14:creationId xmlns:p14="http://schemas.microsoft.com/office/powerpoint/2010/main" val="2320179234"/>
+        <p14:creationId xmlns:p14="http://schemas.microsoft.com/office/powerpoint/2010/main" xmlns="" val="2320179234"/>
       </p:ext>
     </p:extLst>
   </p:cSld>
@@ -3159,7 +3616,45 @@
       </p:grpSpPr>
       <p:sp>
         <p:nvSpPr>
-          <p:cNvPr id="6" name="Fluxograma: Processo 5"/>
+          <p:cNvPr id="4" name="Título 1"/>
+          <p:cNvSpPr>
+            <a:spLocks noGrp="1"/>
+          </p:cNvSpPr>
+          <p:nvPr>
+            <p:ph type="title"/>
+          </p:nvPr>
+        </p:nvSpPr>
+        <p:spPr>
+          <a:xfrm>
+            <a:off x="704850" y="688975"/>
+            <a:ext cx="10515600" cy="447683"/>
+          </a:xfrm>
+        </p:spPr>
+        <p:txBody>
+          <a:bodyPr>
+            <a:normAutofit fontScale="90000"/>
+          </a:bodyPr>
+          <a:lstStyle/>
+          <a:p>
+            <a:pPr algn="ctr"/>
+            <a:r>
+              <a:rPr lang="pt-BR" b="1" dirty="0" smtClean="0"/>
+              <a:t>Área de Construção</a:t>
+            </a:r>
+            <a:r>
+              <a:rPr lang="pt-BR" dirty="0"/>
+              <a:t/>
+            </a:r>
+            <a:br>
+              <a:rPr lang="pt-BR" dirty="0"/>
+            </a:br>
+            <a:endParaRPr lang="pt-BR" dirty="0"/>
+          </a:p>
+        </p:txBody>
+      </p:sp>
+      <p:sp>
+        <p:nvSpPr>
+          <p:cNvPr id="7" name="Fluxograma: Processo 6"/>
           <p:cNvSpPr/>
           <p:nvPr/>
         </p:nvSpPr>
@@ -3206,7 +3701,7 @@
       </p:sp>
       <p:sp>
         <p:nvSpPr>
-          <p:cNvPr id="7" name="Fluxograma: Processo 6"/>
+          <p:cNvPr id="8" name="Fluxograma: Processo 7"/>
           <p:cNvSpPr/>
           <p:nvPr/>
         </p:nvSpPr>
@@ -3253,97 +3748,13 @@
       </p:sp>
       <p:sp>
         <p:nvSpPr>
-          <p:cNvPr id="9" name="Triângulo isósceles 8"/>
+          <p:cNvPr id="9" name="Retângulo Arredondado 9"/>
           <p:cNvSpPr/>
           <p:nvPr/>
         </p:nvSpPr>
         <p:spPr>
-          <a:xfrm rot="17017707" flipV="1">
-            <a:off x="-1808661" y="3817351"/>
-            <a:ext cx="4843486" cy="6002703"/>
-          </a:xfrm>
-          <a:prstGeom prst="triangle">
-            <a:avLst>
-              <a:gd name="adj" fmla="val 41047"/>
-            </a:avLst>
-          </a:prstGeom>
-        </p:spPr>
-        <p:style>
-          <a:lnRef idx="2">
-            <a:schemeClr val="accent1">
-              <a:shade val="50000"/>
-            </a:schemeClr>
-          </a:lnRef>
-          <a:fillRef idx="1">
-            <a:schemeClr val="accent1"/>
-          </a:fillRef>
-          <a:effectRef idx="0">
-            <a:schemeClr val="accent1"/>
-          </a:effectRef>
-          <a:fontRef idx="minor">
-            <a:schemeClr val="lt1"/>
-          </a:fontRef>
-        </p:style>
-        <p:txBody>
-          <a:bodyPr rtlCol="0" anchor="ctr"/>
-          <a:lstStyle/>
-          <a:p>
-            <a:pPr algn="ctr"/>
-            <a:endParaRPr lang="pt-BR" dirty="0"/>
-          </a:p>
-        </p:txBody>
-      </p:sp>
-      <p:sp>
-        <p:nvSpPr>
-          <p:cNvPr id="10" name="Triângulo isósceles 9"/>
-          <p:cNvSpPr/>
-          <p:nvPr/>
-        </p:nvSpPr>
-        <p:spPr>
-          <a:xfrm rot="20114768" flipV="1">
-            <a:off x="10350959" y="-2409215"/>
-            <a:ext cx="4843486" cy="6002703"/>
-          </a:xfrm>
-          <a:prstGeom prst="triangle">
-            <a:avLst>
-              <a:gd name="adj" fmla="val 41047"/>
-            </a:avLst>
-          </a:prstGeom>
-        </p:spPr>
-        <p:style>
-          <a:lnRef idx="2">
-            <a:schemeClr val="accent1">
-              <a:shade val="50000"/>
-            </a:schemeClr>
-          </a:lnRef>
-          <a:fillRef idx="1">
-            <a:schemeClr val="accent1"/>
-          </a:fillRef>
-          <a:effectRef idx="0">
-            <a:schemeClr val="accent1"/>
-          </a:effectRef>
-          <a:fontRef idx="minor">
-            <a:schemeClr val="lt1"/>
-          </a:fontRef>
-        </p:style>
-        <p:txBody>
-          <a:bodyPr rtlCol="0" anchor="ctr"/>
-          <a:lstStyle/>
-          <a:p>
-            <a:pPr algn="ctr"/>
-            <a:endParaRPr lang="pt-BR" dirty="0"/>
-          </a:p>
-        </p:txBody>
-      </p:sp>
-      <p:sp>
-        <p:nvSpPr>
-          <p:cNvPr id="14" name="Retângulo Arredondado 13"/>
-          <p:cNvSpPr/>
-          <p:nvPr/>
-        </p:nvSpPr>
-        <p:spPr>
-          <a:xfrm>
-            <a:off x="880108" y="1320075"/>
+          <a:xfrm>
+            <a:off x="880108" y="1231584"/>
             <a:ext cx="9997442" cy="4754879"/>
           </a:xfrm>
           <a:prstGeom prst="roundRect">
@@ -3385,10 +3796,425 @@
           </a:p>
         </p:txBody>
       </p:sp>
+      <p:sp>
+        <p:nvSpPr>
+          <p:cNvPr id="10" name="Triângulo isósceles 9"/>
+          <p:cNvSpPr/>
+          <p:nvPr/>
+        </p:nvSpPr>
+        <p:spPr>
+          <a:xfrm rot="17017707" flipV="1">
+            <a:off x="-1808661" y="3817351"/>
+            <a:ext cx="4843486" cy="6002703"/>
+          </a:xfrm>
+          <a:prstGeom prst="triangle">
+            <a:avLst>
+              <a:gd name="adj" fmla="val 41047"/>
+            </a:avLst>
+          </a:prstGeom>
+        </p:spPr>
+        <p:style>
+          <a:lnRef idx="2">
+            <a:schemeClr val="accent1">
+              <a:shade val="50000"/>
+            </a:schemeClr>
+          </a:lnRef>
+          <a:fillRef idx="1">
+            <a:schemeClr val="accent1"/>
+          </a:fillRef>
+          <a:effectRef idx="0">
+            <a:schemeClr val="accent1"/>
+          </a:effectRef>
+          <a:fontRef idx="minor">
+            <a:schemeClr val="lt1"/>
+          </a:fontRef>
+        </p:style>
+        <p:txBody>
+          <a:bodyPr rtlCol="0" anchor="ctr"/>
+          <a:lstStyle/>
+          <a:p>
+            <a:pPr algn="ctr"/>
+            <a:endParaRPr lang="pt-BR" dirty="0"/>
+          </a:p>
+        </p:txBody>
+      </p:sp>
+      <p:sp>
+        <p:nvSpPr>
+          <p:cNvPr id="11" name="Triângulo isósceles 10"/>
+          <p:cNvSpPr/>
+          <p:nvPr/>
+        </p:nvSpPr>
+        <p:spPr>
+          <a:xfrm rot="20114768" flipV="1">
+            <a:off x="10350959" y="-2409215"/>
+            <a:ext cx="4843486" cy="6002703"/>
+          </a:xfrm>
+          <a:prstGeom prst="triangle">
+            <a:avLst>
+              <a:gd name="adj" fmla="val 41047"/>
+            </a:avLst>
+          </a:prstGeom>
+        </p:spPr>
+        <p:style>
+          <a:lnRef idx="2">
+            <a:schemeClr val="accent1">
+              <a:shade val="50000"/>
+            </a:schemeClr>
+          </a:lnRef>
+          <a:fillRef idx="1">
+            <a:schemeClr val="accent1"/>
+          </a:fillRef>
+          <a:effectRef idx="0">
+            <a:schemeClr val="accent1"/>
+          </a:effectRef>
+          <a:fontRef idx="minor">
+            <a:schemeClr val="lt1"/>
+          </a:fontRef>
+        </p:style>
+        <p:txBody>
+          <a:bodyPr rtlCol="0" anchor="ctr"/>
+          <a:lstStyle/>
+          <a:p>
+            <a:pPr algn="ctr"/>
+            <a:endParaRPr lang="pt-BR" dirty="0"/>
+          </a:p>
+        </p:txBody>
+      </p:sp>
+    </p:spTree>
+  </p:cSld>
+  <p:clrMapOvr>
+    <a:masterClrMapping/>
+  </p:clrMapOvr>
+</p:sld>
+</file>
+
+<file path=ppt/slides/slide11.xml><?xml version="1.0" encoding="utf-8"?>
+<p:sld xmlns:a="http://schemas.openxmlformats.org/drawingml/2006/main" xmlns:r="http://schemas.openxmlformats.org/officeDocument/2006/relationships" xmlns:p="http://schemas.openxmlformats.org/presentationml/2006/main">
+  <p:cSld>
+    <p:spTree>
+      <p:nvGrpSpPr>
+        <p:cNvPr id="1" name=""/>
+        <p:cNvGrpSpPr/>
+        <p:nvPr/>
+      </p:nvGrpSpPr>
+      <p:grpSpPr>
+        <a:xfrm>
+          <a:off x="0" y="0"/>
+          <a:ext cx="0" cy="0"/>
+          <a:chOff x="0" y="0"/>
+          <a:chExt cx="0" cy="0"/>
+        </a:xfrm>
+      </p:grpSpPr>
+      <p:sp>
+        <p:nvSpPr>
+          <p:cNvPr id="6" name="Fluxograma: Processo 5"/>
+          <p:cNvSpPr/>
+          <p:nvPr/>
+        </p:nvSpPr>
+        <p:spPr>
+          <a:xfrm>
+            <a:off x="966155" y="978590"/>
+            <a:ext cx="9025246" cy="78377"/>
+          </a:xfrm>
+          <a:prstGeom prst="flowChartProcess">
+            <a:avLst/>
+          </a:prstGeom>
+          <a:ln>
+            <a:solidFill>
+              <a:schemeClr val="accent1">
+                <a:lumMod val="75000"/>
+              </a:schemeClr>
+            </a:solidFill>
+          </a:ln>
+        </p:spPr>
+        <p:style>
+          <a:lnRef idx="2">
+            <a:schemeClr val="accent1">
+              <a:shade val="50000"/>
+            </a:schemeClr>
+          </a:lnRef>
+          <a:fillRef idx="1">
+            <a:schemeClr val="accent1"/>
+          </a:fillRef>
+          <a:effectRef idx="0">
+            <a:schemeClr val="accent1"/>
+          </a:effectRef>
+          <a:fontRef idx="minor">
+            <a:schemeClr val="lt1"/>
+          </a:fontRef>
+        </p:style>
+        <p:txBody>
+          <a:bodyPr rtlCol="0" anchor="ctr"/>
+          <a:lstStyle/>
+          <a:p>
+            <a:pPr algn="ctr"/>
+            <a:endParaRPr lang="pt-BR"/>
+          </a:p>
+        </p:txBody>
+      </p:sp>
+      <p:sp>
+        <p:nvSpPr>
+          <p:cNvPr id="7" name="Fluxograma: Processo 6"/>
+          <p:cNvSpPr/>
+          <p:nvPr/>
+        </p:nvSpPr>
+        <p:spPr>
+          <a:xfrm>
+            <a:off x="947105" y="140390"/>
+            <a:ext cx="9025246" cy="78377"/>
+          </a:xfrm>
+          <a:prstGeom prst="flowChartProcess">
+            <a:avLst/>
+          </a:prstGeom>
+          <a:ln>
+            <a:solidFill>
+              <a:schemeClr val="accent1">
+                <a:lumMod val="75000"/>
+              </a:schemeClr>
+            </a:solidFill>
+          </a:ln>
+        </p:spPr>
+        <p:style>
+          <a:lnRef idx="2">
+            <a:schemeClr val="accent1">
+              <a:shade val="50000"/>
+            </a:schemeClr>
+          </a:lnRef>
+          <a:fillRef idx="1">
+            <a:schemeClr val="accent1"/>
+          </a:fillRef>
+          <a:effectRef idx="0">
+            <a:schemeClr val="accent1"/>
+          </a:effectRef>
+          <a:fontRef idx="minor">
+            <a:schemeClr val="lt1"/>
+          </a:fontRef>
+        </p:style>
+        <p:txBody>
+          <a:bodyPr rtlCol="0" anchor="ctr"/>
+          <a:lstStyle/>
+          <a:p>
+            <a:pPr algn="ctr"/>
+            <a:endParaRPr lang="pt-BR"/>
+          </a:p>
+        </p:txBody>
+      </p:sp>
+      <p:sp>
+        <p:nvSpPr>
+          <p:cNvPr id="9" name="Triângulo isósceles 8"/>
+          <p:cNvSpPr/>
+          <p:nvPr/>
+        </p:nvSpPr>
+        <p:spPr>
+          <a:xfrm rot="17017707" flipV="1">
+            <a:off x="-1808661" y="3817351"/>
+            <a:ext cx="4843486" cy="6002703"/>
+          </a:xfrm>
+          <a:prstGeom prst="triangle">
+            <a:avLst>
+              <a:gd name="adj" fmla="val 41047"/>
+            </a:avLst>
+          </a:prstGeom>
+        </p:spPr>
+        <p:style>
+          <a:lnRef idx="2">
+            <a:schemeClr val="accent1">
+              <a:shade val="50000"/>
+            </a:schemeClr>
+          </a:lnRef>
+          <a:fillRef idx="1">
+            <a:schemeClr val="accent1"/>
+          </a:fillRef>
+          <a:effectRef idx="0">
+            <a:schemeClr val="accent1"/>
+          </a:effectRef>
+          <a:fontRef idx="minor">
+            <a:schemeClr val="lt1"/>
+          </a:fontRef>
+        </p:style>
+        <p:txBody>
+          <a:bodyPr rtlCol="0" anchor="ctr"/>
+          <a:lstStyle/>
+          <a:p>
+            <a:pPr algn="ctr"/>
+            <a:endParaRPr lang="pt-BR" dirty="0"/>
+          </a:p>
+        </p:txBody>
+      </p:sp>
+      <p:sp>
+        <p:nvSpPr>
+          <p:cNvPr id="10" name="Triângulo isósceles 9"/>
+          <p:cNvSpPr/>
+          <p:nvPr/>
+        </p:nvSpPr>
+        <p:spPr>
+          <a:xfrm rot="20114768" flipV="1">
+            <a:off x="10350959" y="-2409215"/>
+            <a:ext cx="4843486" cy="6002703"/>
+          </a:xfrm>
+          <a:prstGeom prst="triangle">
+            <a:avLst>
+              <a:gd name="adj" fmla="val 41047"/>
+            </a:avLst>
+          </a:prstGeom>
+        </p:spPr>
+        <p:style>
+          <a:lnRef idx="2">
+            <a:schemeClr val="accent1">
+              <a:shade val="50000"/>
+            </a:schemeClr>
+          </a:lnRef>
+          <a:fillRef idx="1">
+            <a:schemeClr val="accent1"/>
+          </a:fillRef>
+          <a:effectRef idx="0">
+            <a:schemeClr val="accent1"/>
+          </a:effectRef>
+          <a:fontRef idx="minor">
+            <a:schemeClr val="lt1"/>
+          </a:fontRef>
+        </p:style>
+        <p:txBody>
+          <a:bodyPr rtlCol="0" anchor="ctr"/>
+          <a:lstStyle/>
+          <a:p>
+            <a:pPr algn="ctr"/>
+            <a:endParaRPr lang="pt-BR" dirty="0"/>
+          </a:p>
+        </p:txBody>
+      </p:sp>
+      <p:sp>
+        <p:nvSpPr>
+          <p:cNvPr id="14" name="Retângulo Arredondado 13"/>
+          <p:cNvSpPr/>
+          <p:nvPr/>
+        </p:nvSpPr>
+        <p:spPr>
+          <a:xfrm>
+            <a:off x="189186" y="1320075"/>
+            <a:ext cx="12002814" cy="4754879"/>
+          </a:xfrm>
+          <a:prstGeom prst="roundRect">
+            <a:avLst/>
+          </a:prstGeom>
+          <a:noFill/>
+          <a:ln w="9525" cap="flat" cmpd="sng" algn="ctr">
+            <a:solidFill>
+              <a:schemeClr val="accent1">
+                <a:lumMod val="75000"/>
+              </a:schemeClr>
+            </a:solidFill>
+            <a:prstDash val="solid"/>
+            <a:round/>
+            <a:headEnd type="none" w="med" len="med"/>
+            <a:tailEnd type="none" w="med" len="med"/>
+          </a:ln>
+        </p:spPr>
+        <p:style>
+          <a:lnRef idx="0">
+            <a:scrgbClr r="0" g="0" b="0"/>
+          </a:lnRef>
+          <a:fillRef idx="0">
+            <a:scrgbClr r="0" g="0" b="0"/>
+          </a:fillRef>
+          <a:effectRef idx="0">
+            <a:scrgbClr r="0" g="0" b="0"/>
+          </a:effectRef>
+          <a:fontRef idx="minor">
+            <a:schemeClr val="dk1"/>
+          </a:fontRef>
+        </p:style>
+        <p:txBody>
+          <a:bodyPr rtlCol="0" anchor="ctr"/>
+          <a:lstStyle/>
+          <a:p>
+            <a:pPr algn="ctr"/>
+            <a:endParaRPr lang="pt-BR"/>
+          </a:p>
+        </p:txBody>
+      </p:sp>
+      <p:sp>
+        <p:nvSpPr>
+          <p:cNvPr id="11" name="CaixaDeTexto 10"/>
+          <p:cNvSpPr txBox="1"/>
+          <p:nvPr/>
+        </p:nvSpPr>
+        <p:spPr>
+          <a:xfrm>
+            <a:off x="3499946" y="220717"/>
+            <a:ext cx="4763805" cy="707886"/>
+          </a:xfrm>
+          <a:prstGeom prst="rect">
+            <a:avLst/>
+          </a:prstGeom>
+          <a:noFill/>
+        </p:spPr>
+        <p:txBody>
+          <a:bodyPr wrap="none" rtlCol="0">
+            <a:spAutoFit/>
+          </a:bodyPr>
+          <a:lstStyle/>
+          <a:p>
+            <a:r>
+              <a:rPr lang="pt-BR" sz="4000" b="1" dirty="0" smtClean="0"/>
+              <a:t>Exemplo de aplicação</a:t>
+            </a:r>
+            <a:endParaRPr lang="pt-BR" sz="4000" b="1" dirty="0"/>
+          </a:p>
+        </p:txBody>
+      </p:sp>
+      <p:pic>
+        <p:nvPicPr>
+          <p:cNvPr id="12" name="Imagem 11" descr="arma.jpg"/>
+          <p:cNvPicPr>
+            <a:picLocks noChangeAspect="1"/>
+          </p:cNvPicPr>
+          <p:nvPr/>
+        </p:nvPicPr>
+        <p:blipFill>
+          <a:blip r:embed="rId2" cstate="print"/>
+          <a:stretch>
+            <a:fillRect/>
+          </a:stretch>
+        </p:blipFill>
+        <p:spPr>
+          <a:xfrm>
+            <a:off x="457199" y="1854014"/>
+            <a:ext cx="5817475" cy="3630582"/>
+          </a:xfrm>
+          <a:prstGeom prst="rect">
+            <a:avLst/>
+          </a:prstGeom>
+        </p:spPr>
+      </p:pic>
+      <p:pic>
+        <p:nvPicPr>
+          <p:cNvPr id="13" name="Imagem 12" descr="otdoor2.jpg"/>
+          <p:cNvPicPr>
+            <a:picLocks noChangeAspect="1"/>
+          </p:cNvPicPr>
+          <p:nvPr/>
+        </p:nvPicPr>
+        <p:blipFill>
+          <a:blip r:embed="rId3" cstate="print"/>
+          <a:stretch>
+            <a:fillRect/>
+          </a:stretch>
+        </p:blipFill>
+        <p:spPr>
+          <a:xfrm>
+            <a:off x="6521990" y="1891860"/>
+            <a:ext cx="5440892" cy="3563007"/>
+          </a:xfrm>
+          <a:prstGeom prst="rect">
+            <a:avLst/>
+          </a:prstGeom>
+        </p:spPr>
+      </p:pic>
     </p:spTree>
     <p:extLst>
       <p:ext uri="{BB962C8B-B14F-4D97-AF65-F5344CB8AC3E}">
-        <p14:creationId xmlns:p14="http://schemas.microsoft.com/office/powerpoint/2010/main" val="4248979569"/>
+        <p14:creationId xmlns:p14="http://schemas.microsoft.com/office/powerpoint/2010/main" xmlns="" val="4248979569"/>
       </p:ext>
     </p:extLst>
   </p:cSld>
@@ -3402,6 +4228,344 @@
       </p:par>
     </p:tnLst>
   </p:timing>
+</p:sld>
+</file>
+
+<file path=ppt/slides/slide12.xml><?xml version="1.0" encoding="utf-8"?>
+<p:sld xmlns:a="http://schemas.openxmlformats.org/drawingml/2006/main" xmlns:r="http://schemas.openxmlformats.org/officeDocument/2006/relationships" xmlns:p="http://schemas.openxmlformats.org/presentationml/2006/main">
+  <p:cSld>
+    <p:spTree>
+      <p:nvGrpSpPr>
+        <p:cNvPr id="1" name=""/>
+        <p:cNvGrpSpPr/>
+        <p:nvPr/>
+      </p:nvGrpSpPr>
+      <p:grpSpPr>
+        <a:xfrm>
+          <a:off x="0" y="0"/>
+          <a:ext cx="0" cy="0"/>
+          <a:chOff x="0" y="0"/>
+          <a:chExt cx="0" cy="0"/>
+        </a:xfrm>
+      </p:grpSpPr>
+      <p:sp>
+        <p:nvSpPr>
+          <p:cNvPr id="5" name="Título 1"/>
+          <p:cNvSpPr>
+            <a:spLocks noGrp="1"/>
+          </p:cNvSpPr>
+          <p:nvPr>
+            <p:ph type="title"/>
+          </p:nvPr>
+        </p:nvSpPr>
+        <p:spPr>
+          <a:xfrm>
+            <a:off x="704850" y="460375"/>
+            <a:ext cx="10515600" cy="831671"/>
+          </a:xfrm>
+        </p:spPr>
+        <p:txBody>
+          <a:bodyPr>
+            <a:normAutofit fontScale="90000"/>
+          </a:bodyPr>
+          <a:lstStyle/>
+          <a:p>
+            <a:pPr algn="ctr"/>
+            <a:r>
+              <a:rPr lang="pt-BR" b="1" dirty="0" smtClean="0"/>
+              <a:t>Considerações Finais</a:t>
+            </a:r>
+            <a:r>
+              <a:rPr lang="pt-BR" dirty="0"/>
+              <a:t/>
+            </a:r>
+            <a:br>
+              <a:rPr lang="pt-BR" dirty="0"/>
+            </a:br>
+            <a:endParaRPr lang="pt-BR" dirty="0"/>
+          </a:p>
+        </p:txBody>
+      </p:sp>
+      <p:sp>
+        <p:nvSpPr>
+          <p:cNvPr id="7" name="Fluxograma: Processo 6"/>
+          <p:cNvSpPr/>
+          <p:nvPr/>
+        </p:nvSpPr>
+        <p:spPr>
+          <a:xfrm>
+            <a:off x="966155" y="978590"/>
+            <a:ext cx="9025246" cy="78377"/>
+          </a:xfrm>
+          <a:prstGeom prst="flowChartProcess">
+            <a:avLst/>
+          </a:prstGeom>
+          <a:ln>
+            <a:solidFill>
+              <a:schemeClr val="accent1">
+                <a:lumMod val="75000"/>
+              </a:schemeClr>
+            </a:solidFill>
+          </a:ln>
+        </p:spPr>
+        <p:style>
+          <a:lnRef idx="2">
+            <a:schemeClr val="accent1">
+              <a:shade val="50000"/>
+            </a:schemeClr>
+          </a:lnRef>
+          <a:fillRef idx="1">
+            <a:schemeClr val="accent1"/>
+          </a:fillRef>
+          <a:effectRef idx="0">
+            <a:schemeClr val="accent1"/>
+          </a:effectRef>
+          <a:fontRef idx="minor">
+            <a:schemeClr val="lt1"/>
+          </a:fontRef>
+        </p:style>
+        <p:txBody>
+          <a:bodyPr rtlCol="0" anchor="ctr"/>
+          <a:lstStyle/>
+          <a:p>
+            <a:pPr algn="ctr"/>
+            <a:endParaRPr lang="pt-BR"/>
+          </a:p>
+        </p:txBody>
+      </p:sp>
+      <p:sp>
+        <p:nvSpPr>
+          <p:cNvPr id="8" name="Fluxograma: Processo 7"/>
+          <p:cNvSpPr/>
+          <p:nvPr/>
+        </p:nvSpPr>
+        <p:spPr>
+          <a:xfrm>
+            <a:off x="966155" y="978590"/>
+            <a:ext cx="9025246" cy="78377"/>
+          </a:xfrm>
+          <a:prstGeom prst="flowChartProcess">
+            <a:avLst/>
+          </a:prstGeom>
+          <a:ln>
+            <a:solidFill>
+              <a:schemeClr val="accent1">
+                <a:lumMod val="75000"/>
+              </a:schemeClr>
+            </a:solidFill>
+          </a:ln>
+        </p:spPr>
+        <p:style>
+          <a:lnRef idx="2">
+            <a:schemeClr val="accent1">
+              <a:shade val="50000"/>
+            </a:schemeClr>
+          </a:lnRef>
+          <a:fillRef idx="1">
+            <a:schemeClr val="accent1"/>
+          </a:fillRef>
+          <a:effectRef idx="0">
+            <a:schemeClr val="accent1"/>
+          </a:effectRef>
+          <a:fontRef idx="minor">
+            <a:schemeClr val="lt1"/>
+          </a:fontRef>
+        </p:style>
+        <p:txBody>
+          <a:bodyPr rtlCol="0" anchor="ctr"/>
+          <a:lstStyle/>
+          <a:p>
+            <a:pPr algn="ctr"/>
+            <a:endParaRPr lang="pt-BR"/>
+          </a:p>
+        </p:txBody>
+      </p:sp>
+      <p:sp>
+        <p:nvSpPr>
+          <p:cNvPr id="9" name="Fluxograma: Processo 8"/>
+          <p:cNvSpPr/>
+          <p:nvPr/>
+        </p:nvSpPr>
+        <p:spPr>
+          <a:xfrm>
+            <a:off x="947105" y="140390"/>
+            <a:ext cx="9025246" cy="78377"/>
+          </a:xfrm>
+          <a:prstGeom prst="flowChartProcess">
+            <a:avLst/>
+          </a:prstGeom>
+          <a:ln>
+            <a:solidFill>
+              <a:schemeClr val="accent1">
+                <a:lumMod val="75000"/>
+              </a:schemeClr>
+            </a:solidFill>
+          </a:ln>
+        </p:spPr>
+        <p:style>
+          <a:lnRef idx="2">
+            <a:schemeClr val="accent1">
+              <a:shade val="50000"/>
+            </a:schemeClr>
+          </a:lnRef>
+          <a:fillRef idx="1">
+            <a:schemeClr val="accent1"/>
+          </a:fillRef>
+          <a:effectRef idx="0">
+            <a:schemeClr val="accent1"/>
+          </a:effectRef>
+          <a:fontRef idx="minor">
+            <a:schemeClr val="lt1"/>
+          </a:fontRef>
+        </p:style>
+        <p:txBody>
+          <a:bodyPr rtlCol="0" anchor="ctr"/>
+          <a:lstStyle/>
+          <a:p>
+            <a:pPr algn="ctr"/>
+            <a:endParaRPr lang="pt-BR"/>
+          </a:p>
+        </p:txBody>
+      </p:sp>
+      <p:sp>
+        <p:nvSpPr>
+          <p:cNvPr id="10" name="Retângulo Arredondado 17"/>
+          <p:cNvSpPr/>
+          <p:nvPr/>
+        </p:nvSpPr>
+        <p:spPr>
+          <a:xfrm>
+            <a:off x="880108" y="1430912"/>
+            <a:ext cx="9578342" cy="4555551"/>
+          </a:xfrm>
+          <a:prstGeom prst="roundRect">
+            <a:avLst/>
+          </a:prstGeom>
+          <a:noFill/>
+          <a:ln w="9525" cap="flat" cmpd="sng" algn="ctr">
+            <a:solidFill>
+              <a:schemeClr val="accent1">
+                <a:lumMod val="75000"/>
+              </a:schemeClr>
+            </a:solidFill>
+            <a:prstDash val="solid"/>
+            <a:round/>
+            <a:headEnd type="none" w="med" len="med"/>
+            <a:tailEnd type="none" w="med" len="med"/>
+          </a:ln>
+        </p:spPr>
+        <p:style>
+          <a:lnRef idx="0">
+            <a:scrgbClr r="0" g="0" b="0"/>
+          </a:lnRef>
+          <a:fillRef idx="0">
+            <a:scrgbClr r="0" g="0" b="0"/>
+          </a:fillRef>
+          <a:effectRef idx="0">
+            <a:scrgbClr r="0" g="0" b="0"/>
+          </a:effectRef>
+          <a:fontRef idx="minor">
+            <a:schemeClr val="dk1"/>
+          </a:fontRef>
+        </p:style>
+        <p:txBody>
+          <a:bodyPr rtlCol="0" anchor="ctr"/>
+          <a:lstStyle/>
+          <a:p>
+            <a:pPr algn="ctr"/>
+            <a:endParaRPr lang="pt-BR"/>
+          </a:p>
+        </p:txBody>
+      </p:sp>
+      <p:sp>
+        <p:nvSpPr>
+          <p:cNvPr id="11" name="Triângulo isósceles 10"/>
+          <p:cNvSpPr/>
+          <p:nvPr/>
+        </p:nvSpPr>
+        <p:spPr>
+          <a:xfrm rot="17017707" flipV="1">
+            <a:off x="-1808661" y="3817351"/>
+            <a:ext cx="4843486" cy="6002703"/>
+          </a:xfrm>
+          <a:prstGeom prst="triangle">
+            <a:avLst>
+              <a:gd name="adj" fmla="val 41047"/>
+            </a:avLst>
+          </a:prstGeom>
+        </p:spPr>
+        <p:style>
+          <a:lnRef idx="2">
+            <a:schemeClr val="accent1">
+              <a:shade val="50000"/>
+            </a:schemeClr>
+          </a:lnRef>
+          <a:fillRef idx="1">
+            <a:schemeClr val="accent1"/>
+          </a:fillRef>
+          <a:effectRef idx="0">
+            <a:schemeClr val="accent1"/>
+          </a:effectRef>
+          <a:fontRef idx="minor">
+            <a:schemeClr val="lt1"/>
+          </a:fontRef>
+        </p:style>
+        <p:txBody>
+          <a:bodyPr rtlCol="0" anchor="ctr"/>
+          <a:lstStyle/>
+          <a:p>
+            <a:pPr algn="ctr"/>
+            <a:endParaRPr lang="pt-BR" dirty="0"/>
+          </a:p>
+        </p:txBody>
+      </p:sp>
+      <p:sp>
+        <p:nvSpPr>
+          <p:cNvPr id="12" name="Triângulo isósceles 11"/>
+          <p:cNvSpPr/>
+          <p:nvPr/>
+        </p:nvSpPr>
+        <p:spPr>
+          <a:xfrm rot="20114768" flipV="1">
+            <a:off x="10350959" y="-2409215"/>
+            <a:ext cx="4843486" cy="6002703"/>
+          </a:xfrm>
+          <a:prstGeom prst="triangle">
+            <a:avLst>
+              <a:gd name="adj" fmla="val 41047"/>
+            </a:avLst>
+          </a:prstGeom>
+        </p:spPr>
+        <p:style>
+          <a:lnRef idx="2">
+            <a:schemeClr val="accent1">
+              <a:shade val="50000"/>
+            </a:schemeClr>
+          </a:lnRef>
+          <a:fillRef idx="1">
+            <a:schemeClr val="accent1"/>
+          </a:fillRef>
+          <a:effectRef idx="0">
+            <a:schemeClr val="accent1"/>
+          </a:effectRef>
+          <a:fontRef idx="minor">
+            <a:schemeClr val="lt1"/>
+          </a:fontRef>
+        </p:style>
+        <p:txBody>
+          <a:bodyPr rtlCol="0" anchor="ctr"/>
+          <a:lstStyle/>
+          <a:p>
+            <a:pPr algn="ctr"/>
+            <a:endParaRPr lang="pt-BR" dirty="0"/>
+          </a:p>
+        </p:txBody>
+      </p:sp>
+    </p:spTree>
+  </p:cSld>
+  <p:clrMapOvr>
+    <a:masterClrMapping/>
+  </p:clrMapOvr>
 </p:sld>
 </file>
 
@@ -3432,7 +4596,7 @@
           <a:blip r:embed="rId2" cstate="print">
             <a:extLst>
               <a:ext uri="{28A0092B-C50C-407E-A947-70E740481C1C}">
-                <a14:useLocalDpi xmlns:a14="http://schemas.microsoft.com/office/drawing/2010/main" val="0"/>
+                <a14:useLocalDpi xmlns:a14="http://schemas.microsoft.com/office/drawing/2010/main" xmlns="" val="0"/>
               </a:ext>
             </a:extLst>
           </a:blip>
@@ -3578,7 +4742,7 @@
     </p:spTree>
     <p:extLst>
       <p:ext uri="{BB962C8B-B14F-4D97-AF65-F5344CB8AC3E}">
-        <p14:creationId xmlns:p14="http://schemas.microsoft.com/office/powerpoint/2010/main" val="835294270"/>
+        <p14:creationId xmlns:p14="http://schemas.microsoft.com/office/powerpoint/2010/main" xmlns="" val="835294270"/>
       </p:ext>
     </p:extLst>
   </p:cSld>
@@ -4003,7 +5167,7 @@
     </p:spTree>
     <p:extLst>
       <p:ext uri="{BB962C8B-B14F-4D97-AF65-F5344CB8AC3E}">
-        <p14:creationId xmlns:p14="http://schemas.microsoft.com/office/powerpoint/2010/main" val="3210801561"/>
+        <p14:creationId xmlns:p14="http://schemas.microsoft.com/office/powerpoint/2010/main" xmlns="" val="3210801561"/>
       </p:ext>
     </p:extLst>
   </p:cSld>
@@ -4818,7 +5982,7 @@
     </p:spTree>
     <p:extLst>
       <p:ext uri="{BB962C8B-B14F-4D97-AF65-F5344CB8AC3E}">
-        <p14:creationId xmlns:p14="http://schemas.microsoft.com/office/powerpoint/2010/main" val="3560251703"/>
+        <p14:creationId xmlns:p14="http://schemas.microsoft.com/office/powerpoint/2010/main" xmlns="" val="3560251703"/>
       </p:ext>
     </p:extLst>
   </p:cSld>
@@ -5228,7 +6392,7 @@
     </p:spTree>
     <p:extLst>
       <p:ext uri="{BB962C8B-B14F-4D97-AF65-F5344CB8AC3E}">
-        <p14:creationId xmlns:p14="http://schemas.microsoft.com/office/powerpoint/2010/main" val="3417803481"/>
+        <p14:creationId xmlns:p14="http://schemas.microsoft.com/office/powerpoint/2010/main" xmlns="" val="3417803481"/>
       </p:ext>
     </p:extLst>
   </p:cSld>
@@ -5310,7 +6474,7 @@
           <a:blip r:embed="rId2" cstate="print">
             <a:extLst>
               <a:ext uri="{28A0092B-C50C-407E-A947-70E740481C1C}">
-                <a14:useLocalDpi xmlns:a14="http://schemas.microsoft.com/office/drawing/2010/main" val="0"/>
+                <a14:useLocalDpi xmlns:a14="http://schemas.microsoft.com/office/drawing/2010/main" xmlns="" val="0"/>
               </a:ext>
             </a:extLst>
           </a:blip>
@@ -5611,7 +6775,7 @@
     </p:spTree>
     <p:extLst>
       <p:ext uri="{BB962C8B-B14F-4D97-AF65-F5344CB8AC3E}">
-        <p14:creationId xmlns:p14="http://schemas.microsoft.com/office/powerpoint/2010/main" val="523925121"/>
+        <p14:creationId xmlns:p14="http://schemas.microsoft.com/office/powerpoint/2010/main" xmlns="" val="523925121"/>
       </p:ext>
     </p:extLst>
   </p:cSld>
@@ -5971,7 +7135,7 @@
     </p:spTree>
     <p:extLst>
       <p:ext uri="{BB962C8B-B14F-4D97-AF65-F5344CB8AC3E}">
-        <p14:creationId xmlns:p14="http://schemas.microsoft.com/office/powerpoint/2010/main" val="3393587937"/>
+        <p14:creationId xmlns:p14="http://schemas.microsoft.com/office/powerpoint/2010/main" xmlns="" val="3393587937"/>
       </p:ext>
     </p:extLst>
   </p:cSld>
@@ -6005,370 +7169,47 @@
           <a:chExt cx="0" cy="0"/>
         </a:xfrm>
       </p:grpSpPr>
-      <p:pic>
-        <p:nvPicPr>
-          <p:cNvPr id="5" name="Imagem 4" descr="fonte.jpg"/>
-          <p:cNvPicPr/>
-          <p:nvPr/>
-        </p:nvPicPr>
-        <p:blipFill>
-          <a:blip r:embed="rId2" cstate="print">
-            <a:extLst>
-              <a:ext uri="{28A0092B-C50C-407E-A947-70E740481C1C}">
-                <a14:useLocalDpi xmlns:a14="http://schemas.microsoft.com/office/drawing/2010/main" val="0"/>
-              </a:ext>
-            </a:extLst>
-          </a:blip>
-          <a:stretch>
-            <a:fillRect/>
-          </a:stretch>
-        </p:blipFill>
-        <p:spPr>
-          <a:xfrm>
-            <a:off x="2148840" y="2044338"/>
-            <a:ext cx="2517866" cy="1825398"/>
-          </a:xfrm>
-          <a:prstGeom prst="rect">
-            <a:avLst/>
-          </a:prstGeom>
-        </p:spPr>
-      </p:pic>
-      <p:sp>
-        <p:nvSpPr>
-          <p:cNvPr id="6" name="CaixaDeTexto 5"/>
-          <p:cNvSpPr txBox="1"/>
-          <p:nvPr/>
-        </p:nvSpPr>
-        <p:spPr>
-          <a:xfrm>
-            <a:off x="2315392" y="1665516"/>
-            <a:ext cx="2390503" cy="378822"/>
-          </a:xfrm>
-          <a:prstGeom prst="rect">
-            <a:avLst/>
-          </a:prstGeom>
-          <a:noFill/>
-        </p:spPr>
-        <p:txBody>
-          <a:bodyPr wrap="square" rtlCol="0">
-            <a:spAutoFit/>
+      <p:sp>
+        <p:nvSpPr>
+          <p:cNvPr id="4" name="Título 1"/>
+          <p:cNvSpPr>
+            <a:spLocks noGrp="1"/>
+          </p:cNvSpPr>
+          <p:nvPr>
+            <p:ph type="title"/>
+          </p:nvPr>
+        </p:nvSpPr>
+        <p:spPr>
+          <a:xfrm>
+            <a:off x="704850" y="688975"/>
+            <a:ext cx="10515600" cy="447683"/>
+          </a:xfrm>
+        </p:spPr>
+        <p:txBody>
+          <a:bodyPr>
+            <a:normAutofit fontScale="90000"/>
           </a:bodyPr>
           <a:lstStyle/>
           <a:p>
+            <a:pPr algn="ctr"/>
             <a:r>
               <a:rPr lang="pt-BR" b="1" dirty="0" smtClean="0"/>
-              <a:t>Não alterar a tipologia</a:t>
-            </a:r>
-            <a:endParaRPr lang="pt-BR" b="1" dirty="0"/>
-          </a:p>
-        </p:txBody>
-      </p:sp>
-      <p:pic>
-        <p:nvPicPr>
-          <p:cNvPr id="7" name="Imagem 6" descr="objetor.jpg"/>
-          <p:cNvPicPr/>
-          <p:nvPr/>
-        </p:nvPicPr>
-        <p:blipFill>
-          <a:blip r:embed="rId3" cstate="print"/>
-          <a:stretch>
-            <a:fillRect/>
-          </a:stretch>
-        </p:blipFill>
-        <p:spPr>
-          <a:xfrm>
-            <a:off x="5531802" y="2044338"/>
-            <a:ext cx="2103438" cy="1825398"/>
-          </a:xfrm>
-          <a:prstGeom prst="rect">
-            <a:avLst/>
-          </a:prstGeom>
-        </p:spPr>
-      </p:pic>
-      <p:sp>
-        <p:nvSpPr>
-          <p:cNvPr id="8" name="CaixaDeTexto 7"/>
-          <p:cNvSpPr txBox="1"/>
-          <p:nvPr/>
-        </p:nvSpPr>
-        <p:spPr>
-          <a:xfrm>
-            <a:off x="5264383" y="1665516"/>
-            <a:ext cx="2571986" cy="369332"/>
-          </a:xfrm>
-          <a:prstGeom prst="rect">
-            <a:avLst/>
-          </a:prstGeom>
-          <a:noFill/>
-        </p:spPr>
-        <p:txBody>
-          <a:bodyPr wrap="none" rtlCol="0">
-            <a:spAutoFit/>
-          </a:bodyPr>
-          <a:lstStyle/>
-          <a:p>
-            <a:r>
-              <a:rPr lang="pt-BR" b="1" dirty="0" smtClean="0"/>
-              <a:t>Não adicionar elementos</a:t>
-            </a:r>
-            <a:endParaRPr lang="pt-BR" b="1" dirty="0"/>
-          </a:p>
-        </p:txBody>
-      </p:sp>
-      <p:pic>
-        <p:nvPicPr>
-          <p:cNvPr id="9" name="Imagem 8" descr="naosubs.jpg"/>
-          <p:cNvPicPr/>
-          <p:nvPr/>
-        </p:nvPicPr>
-        <p:blipFill>
-          <a:blip r:embed="rId4" cstate="print">
-            <a:extLst>
-              <a:ext uri="{28A0092B-C50C-407E-A947-70E740481C1C}">
-                <a14:useLocalDpi xmlns:a14="http://schemas.microsoft.com/office/drawing/2010/main" val="0"/>
-              </a:ext>
-            </a:extLst>
-          </a:blip>
-          <a:stretch>
-            <a:fillRect/>
-          </a:stretch>
-        </p:blipFill>
-        <p:spPr>
-          <a:xfrm>
-            <a:off x="8280082" y="2161699"/>
-            <a:ext cx="2258378" cy="1708037"/>
-          </a:xfrm>
-          <a:prstGeom prst="rect">
-            <a:avLst/>
-          </a:prstGeom>
-        </p:spPr>
-      </p:pic>
-      <p:sp>
-        <p:nvSpPr>
-          <p:cNvPr id="10" name="CaixaDeTexto 9"/>
-          <p:cNvSpPr txBox="1"/>
-          <p:nvPr/>
-        </p:nvSpPr>
-        <p:spPr>
-          <a:xfrm>
-            <a:off x="8503380" y="1675006"/>
-            <a:ext cx="2391745" cy="369332"/>
-          </a:xfrm>
-          <a:prstGeom prst="rect">
-            <a:avLst/>
-          </a:prstGeom>
-          <a:noFill/>
-        </p:spPr>
-        <p:txBody>
-          <a:bodyPr wrap="none" rtlCol="0">
-            <a:spAutoFit/>
-          </a:bodyPr>
-          <a:lstStyle/>
-          <a:p>
-            <a:r>
-              <a:rPr lang="pt-BR" b="1" dirty="0" smtClean="0"/>
-              <a:t>Não substituir cadeado</a:t>
-            </a:r>
-          </a:p>
-        </p:txBody>
-      </p:sp>
-      <p:pic>
-        <p:nvPicPr>
-          <p:cNvPr id="11" name="Imagem 10" descr="posicao.jpg"/>
-          <p:cNvPicPr/>
-          <p:nvPr/>
-        </p:nvPicPr>
-        <p:blipFill>
-          <a:blip r:embed="rId5" cstate="print"/>
-          <a:stretch>
-            <a:fillRect/>
-          </a:stretch>
-        </p:blipFill>
-        <p:spPr>
-          <a:xfrm>
-            <a:off x="2148840" y="4248558"/>
-            <a:ext cx="2517866" cy="1923642"/>
-          </a:xfrm>
-          <a:prstGeom prst="rect">
-            <a:avLst/>
-          </a:prstGeom>
-        </p:spPr>
-      </p:pic>
-      <p:sp>
-        <p:nvSpPr>
-          <p:cNvPr id="12" name="CaixaDeTexto 11"/>
-          <p:cNvSpPr txBox="1"/>
-          <p:nvPr/>
-        </p:nvSpPr>
-        <p:spPr>
-          <a:xfrm>
-            <a:off x="1793217" y="4248558"/>
-            <a:ext cx="3489289" cy="369332"/>
-          </a:xfrm>
-          <a:prstGeom prst="rect">
-            <a:avLst/>
-          </a:prstGeom>
-          <a:noFill/>
-        </p:spPr>
-        <p:txBody>
-          <a:bodyPr wrap="none" rtlCol="0">
-            <a:spAutoFit/>
-          </a:bodyPr>
-          <a:lstStyle/>
-          <a:p>
-            <a:r>
-              <a:rPr lang="pt-BR" b="1" dirty="0" smtClean="0"/>
-              <a:t>Não alterar posição dos elementos</a:t>
-            </a:r>
-          </a:p>
-        </p:txBody>
-      </p:sp>
-      <p:pic>
-        <p:nvPicPr>
-          <p:cNvPr id="13" name="Imagem 12" descr="cores.jpg"/>
-          <p:cNvPicPr/>
-          <p:nvPr/>
-        </p:nvPicPr>
-        <p:blipFill>
-          <a:blip r:embed="rId6" cstate="print"/>
-          <a:stretch>
-            <a:fillRect/>
-          </a:stretch>
-        </p:blipFill>
-        <p:spPr>
-          <a:xfrm>
-            <a:off x="5531802" y="4503624"/>
-            <a:ext cx="2103438" cy="1668576"/>
-          </a:xfrm>
-          <a:prstGeom prst="rect">
-            <a:avLst/>
-          </a:prstGeom>
-        </p:spPr>
-      </p:pic>
-      <p:sp>
-        <p:nvSpPr>
-          <p:cNvPr id="14" name="CaixaDeTexto 13"/>
-          <p:cNvSpPr txBox="1"/>
-          <p:nvPr/>
-        </p:nvSpPr>
-        <p:spPr>
-          <a:xfrm>
-            <a:off x="5515111" y="4271622"/>
-            <a:ext cx="2077428" cy="369332"/>
-          </a:xfrm>
-          <a:prstGeom prst="rect">
-            <a:avLst/>
-          </a:prstGeom>
-          <a:noFill/>
-        </p:spPr>
-        <p:txBody>
-          <a:bodyPr wrap="none" rtlCol="0">
-            <a:spAutoFit/>
-          </a:bodyPr>
-          <a:lstStyle/>
-          <a:p>
-            <a:r>
-              <a:rPr lang="pt-BR" b="1" dirty="0" smtClean="0"/>
-              <a:t>Não alterar as cores</a:t>
-            </a:r>
-            <a:endParaRPr lang="pt-BR" b="1" dirty="0"/>
-          </a:p>
-        </p:txBody>
-      </p:sp>
-      <p:pic>
-        <p:nvPicPr>
-          <p:cNvPr id="15" name="Imagem 14" descr="distorcer.jpg"/>
-          <p:cNvPicPr/>
-          <p:nvPr/>
-        </p:nvPicPr>
-        <p:blipFill>
-          <a:blip r:embed="rId7" cstate="print"/>
-          <a:stretch>
-            <a:fillRect/>
-          </a:stretch>
-        </p:blipFill>
-        <p:spPr>
-          <a:xfrm>
-            <a:off x="8500336" y="4640954"/>
-            <a:ext cx="2038124" cy="1531246"/>
-          </a:xfrm>
-          <a:prstGeom prst="rect">
-            <a:avLst/>
-          </a:prstGeom>
-        </p:spPr>
-      </p:pic>
-      <p:sp>
-        <p:nvSpPr>
-          <p:cNvPr id="16" name="CaixaDeTexto 15"/>
-          <p:cNvSpPr txBox="1"/>
-          <p:nvPr/>
-        </p:nvSpPr>
-        <p:spPr>
-          <a:xfrm>
-            <a:off x="8685451" y="4271826"/>
-            <a:ext cx="1468607" cy="369332"/>
-          </a:xfrm>
-          <a:prstGeom prst="rect">
-            <a:avLst/>
-          </a:prstGeom>
-          <a:noFill/>
-        </p:spPr>
-        <p:txBody>
-          <a:bodyPr wrap="none" rtlCol="0">
-            <a:spAutoFit/>
-          </a:bodyPr>
-          <a:lstStyle/>
-          <a:p>
-            <a:r>
-              <a:rPr lang="pt-BR" b="1" dirty="0" smtClean="0"/>
-              <a:t>Não distorcer</a:t>
-            </a:r>
-            <a:endParaRPr lang="pt-BR" b="1" dirty="0"/>
-          </a:p>
-        </p:txBody>
-      </p:sp>
-      <p:sp>
-        <p:nvSpPr>
-          <p:cNvPr id="17" name="CaixaDeTexto 16"/>
-          <p:cNvSpPr txBox="1"/>
-          <p:nvPr/>
-        </p:nvSpPr>
-        <p:spPr>
-          <a:xfrm>
-            <a:off x="3096204" y="296390"/>
-            <a:ext cx="5754781" cy="707886"/>
-          </a:xfrm>
-          <a:prstGeom prst="rect">
-            <a:avLst/>
-          </a:prstGeom>
-          <a:noFill/>
-        </p:spPr>
-        <p:txBody>
-          <a:bodyPr wrap="none" rtlCol="0">
-            <a:spAutoFit/>
-          </a:bodyPr>
-          <a:lstStyle/>
-          <a:p>
-            <a:pPr algn="ctr"/>
-            <a:r>
-              <a:rPr lang="pt-BR" sz="4000" b="1" dirty="0" smtClean="0"/>
-              <a:t>Proibição</a:t>
-            </a:r>
-            <a:r>
-              <a:rPr lang="pt-BR" sz="2800" b="1" dirty="0" smtClean="0"/>
-              <a:t> </a:t>
-            </a:r>
-            <a:r>
-              <a:rPr lang="pt-BR" sz="4000" b="1" dirty="0" smtClean="0"/>
-              <a:t>do uso da marca</a:t>
-            </a:r>
-            <a:endParaRPr lang="pt-BR" sz="4000" b="1" dirty="0"/>
-          </a:p>
-        </p:txBody>
-      </p:sp>
-      <p:sp>
-        <p:nvSpPr>
-          <p:cNvPr id="43" name="Fluxograma: Processo 42"/>
+              <a:t>Área Mínima</a:t>
+            </a:r>
+            <a:r>
+              <a:rPr lang="pt-BR" dirty="0"/>
+              <a:t/>
+            </a:r>
+            <a:br>
+              <a:rPr lang="pt-BR" dirty="0"/>
+            </a:br>
+            <a:endParaRPr lang="pt-BR" dirty="0"/>
+          </a:p>
+        </p:txBody>
+      </p:sp>
+      <p:sp>
+        <p:nvSpPr>
+          <p:cNvPr id="7" name="Fluxograma: Processo 6"/>
           <p:cNvSpPr/>
           <p:nvPr/>
         </p:nvSpPr>
@@ -6415,7 +7256,7 @@
       </p:sp>
       <p:sp>
         <p:nvSpPr>
-          <p:cNvPr id="44" name="Fluxograma: Processo 43"/>
+          <p:cNvPr id="8" name="Fluxograma: Processo 7"/>
           <p:cNvSpPr/>
           <p:nvPr/>
         </p:nvSpPr>
@@ -6462,7 +7303,7 @@
       </p:sp>
       <p:sp>
         <p:nvSpPr>
-          <p:cNvPr id="45" name="Retângulo Arredondado 44"/>
+          <p:cNvPr id="9" name="Retângulo Arredondado 9"/>
           <p:cNvSpPr/>
           <p:nvPr/>
         </p:nvSpPr>
@@ -6512,7 +7353,7 @@
       </p:sp>
       <p:sp>
         <p:nvSpPr>
-          <p:cNvPr id="46" name="Triângulo isósceles 45"/>
+          <p:cNvPr id="10" name="Triângulo isósceles 9"/>
           <p:cNvSpPr/>
           <p:nvPr/>
         </p:nvSpPr>
@@ -6554,7 +7395,7 @@
       </p:sp>
       <p:sp>
         <p:nvSpPr>
-          <p:cNvPr id="47" name="Triângulo isósceles 46"/>
+          <p:cNvPr id="11" name="Triângulo isósceles 10"/>
           <p:cNvSpPr/>
           <p:nvPr/>
         </p:nvSpPr>
@@ -6594,23 +7435,30 @@
           </a:p>
         </p:txBody>
       </p:sp>
+      <p:sp>
+        <p:nvSpPr>
+          <p:cNvPr id="12" name="Espaço Reservado para Conteúdo 11"/>
+          <p:cNvSpPr>
+            <a:spLocks noGrp="1"/>
+          </p:cNvSpPr>
+          <p:nvPr>
+            <p:ph idx="1"/>
+          </p:nvPr>
+        </p:nvSpPr>
+        <p:spPr/>
+        <p:txBody>
+          <a:bodyPr/>
+          <a:lstStyle/>
+          <a:p>
+            <a:endParaRPr lang="pt-BR"/>
+          </a:p>
+        </p:txBody>
+      </p:sp>
     </p:spTree>
-    <p:extLst>
-      <p:ext uri="{BB962C8B-B14F-4D97-AF65-F5344CB8AC3E}">
-        <p14:creationId xmlns:p14="http://schemas.microsoft.com/office/powerpoint/2010/main" val="1853938100"/>
-      </p:ext>
-    </p:extLst>
   </p:cSld>
   <p:clrMapOvr>
     <a:masterClrMapping/>
   </p:clrMapOvr>
-  <p:timing>
-    <p:tnLst>
-      <p:par>
-        <p:cTn id="1" dur="indefinite" restart="never" nodeType="tmRoot"/>
-      </p:par>
-    </p:tnLst>
-  </p:timing>
 </p:sld>
 </file>
 
@@ -6631,52 +7479,599 @@
           <a:chExt cx="0" cy="0"/>
         </a:xfrm>
       </p:grpSpPr>
-      <p:sp>
-        <p:nvSpPr>
-          <p:cNvPr id="2" name="Título 1"/>
-          <p:cNvSpPr>
-            <a:spLocks noGrp="1"/>
-          </p:cNvSpPr>
-          <p:nvPr>
-            <p:ph type="title"/>
-          </p:nvPr>
-        </p:nvSpPr>
-        <p:spPr/>
-        <p:txBody>
-          <a:bodyPr/>
-          <a:lstStyle/>
-          <a:p>
-            <a:r>
-              <a:rPr lang="pt-BR" dirty="0" smtClean="0"/>
-              <a:t>Exemplo de aplicação</a:t>
-            </a:r>
+      <p:pic>
+        <p:nvPicPr>
+          <p:cNvPr id="5" name="Imagem 4" descr="fonte.jpg"/>
+          <p:cNvPicPr/>
+          <p:nvPr/>
+        </p:nvPicPr>
+        <p:blipFill>
+          <a:blip r:embed="rId3" cstate="print">
+            <a:extLst>
+              <a:ext uri="{28A0092B-C50C-407E-A947-70E740481C1C}">
+                <a14:useLocalDpi xmlns:a14="http://schemas.microsoft.com/office/drawing/2010/main" xmlns="" val="0"/>
+              </a:ext>
+            </a:extLst>
+          </a:blip>
+          <a:stretch>
+            <a:fillRect/>
+          </a:stretch>
+        </p:blipFill>
+        <p:spPr>
+          <a:xfrm>
+            <a:off x="1928116" y="2044338"/>
+            <a:ext cx="2517866" cy="1825398"/>
+          </a:xfrm>
+          <a:prstGeom prst="rect">
+            <a:avLst/>
+          </a:prstGeom>
+        </p:spPr>
+      </p:pic>
+      <p:sp>
+        <p:nvSpPr>
+          <p:cNvPr id="6" name="CaixaDeTexto 5"/>
+          <p:cNvSpPr txBox="1"/>
+          <p:nvPr/>
+        </p:nvSpPr>
+        <p:spPr>
+          <a:xfrm>
+            <a:off x="2205030" y="1665516"/>
+            <a:ext cx="2390503" cy="378822"/>
+          </a:xfrm>
+          <a:prstGeom prst="rect">
+            <a:avLst/>
+          </a:prstGeom>
+          <a:noFill/>
+        </p:spPr>
+        <p:txBody>
+          <a:bodyPr wrap="square" rtlCol="0">
+            <a:spAutoFit/>
+          </a:bodyPr>
+          <a:lstStyle/>
+          <a:p>
+            <a:r>
+              <a:rPr lang="pt-BR" b="1" dirty="0" smtClean="0"/>
+              <a:t>Não alterar a tipologia</a:t>
+            </a:r>
+            <a:endParaRPr lang="pt-BR" b="1" dirty="0"/>
+          </a:p>
+        </p:txBody>
+      </p:sp>
+      <p:pic>
+        <p:nvPicPr>
+          <p:cNvPr id="7" name="Imagem 6" descr="objetor.jpg"/>
+          <p:cNvPicPr/>
+          <p:nvPr/>
+        </p:nvPicPr>
+        <p:blipFill>
+          <a:blip r:embed="rId4" cstate="print"/>
+          <a:stretch>
+            <a:fillRect/>
+          </a:stretch>
+        </p:blipFill>
+        <p:spPr>
+          <a:xfrm>
+            <a:off x="5311078" y="2044338"/>
+            <a:ext cx="2103438" cy="1825398"/>
+          </a:xfrm>
+          <a:prstGeom prst="rect">
+            <a:avLst/>
+          </a:prstGeom>
+        </p:spPr>
+      </p:pic>
+      <p:sp>
+        <p:nvSpPr>
+          <p:cNvPr id="8" name="CaixaDeTexto 7"/>
+          <p:cNvSpPr txBox="1"/>
+          <p:nvPr/>
+        </p:nvSpPr>
+        <p:spPr>
+          <a:xfrm>
+            <a:off x="5154021" y="1665516"/>
+            <a:ext cx="2571986" cy="369332"/>
+          </a:xfrm>
+          <a:prstGeom prst="rect">
+            <a:avLst/>
+          </a:prstGeom>
+          <a:noFill/>
+        </p:spPr>
+        <p:txBody>
+          <a:bodyPr wrap="none" rtlCol="0">
+            <a:spAutoFit/>
+          </a:bodyPr>
+          <a:lstStyle/>
+          <a:p>
+            <a:r>
+              <a:rPr lang="pt-BR" b="1" dirty="0" smtClean="0"/>
+              <a:t>Não adicionar elementos</a:t>
+            </a:r>
+            <a:endParaRPr lang="pt-BR" b="1" dirty="0"/>
+          </a:p>
+        </p:txBody>
+      </p:sp>
+      <p:pic>
+        <p:nvPicPr>
+          <p:cNvPr id="9" name="Imagem 8" descr="naosubs.jpg"/>
+          <p:cNvPicPr/>
+          <p:nvPr/>
+        </p:nvPicPr>
+        <p:blipFill>
+          <a:blip r:embed="rId5" cstate="print">
+            <a:extLst>
+              <a:ext uri="{28A0092B-C50C-407E-A947-70E740481C1C}">
+                <a14:useLocalDpi xmlns:a14="http://schemas.microsoft.com/office/drawing/2010/main" xmlns="" val="0"/>
+              </a:ext>
+            </a:extLst>
+          </a:blip>
+          <a:stretch>
+            <a:fillRect/>
+          </a:stretch>
+        </p:blipFill>
+        <p:spPr>
+          <a:xfrm>
+            <a:off x="8059358" y="2161699"/>
+            <a:ext cx="2258378" cy="1708037"/>
+          </a:xfrm>
+          <a:prstGeom prst="rect">
+            <a:avLst/>
+          </a:prstGeom>
+        </p:spPr>
+      </p:pic>
+      <p:sp>
+        <p:nvSpPr>
+          <p:cNvPr id="10" name="CaixaDeTexto 9"/>
+          <p:cNvSpPr txBox="1"/>
+          <p:nvPr/>
+        </p:nvSpPr>
+        <p:spPr>
+          <a:xfrm>
+            <a:off x="8235358" y="1675006"/>
+            <a:ext cx="2391745" cy="369332"/>
+          </a:xfrm>
+          <a:prstGeom prst="rect">
+            <a:avLst/>
+          </a:prstGeom>
+          <a:noFill/>
+        </p:spPr>
+        <p:txBody>
+          <a:bodyPr wrap="none" rtlCol="0">
+            <a:spAutoFit/>
+          </a:bodyPr>
+          <a:lstStyle/>
+          <a:p>
+            <a:r>
+              <a:rPr lang="pt-BR" b="1" dirty="0" smtClean="0"/>
+              <a:t>Não substituir cadeado</a:t>
+            </a:r>
+          </a:p>
+        </p:txBody>
+      </p:sp>
+      <p:pic>
+        <p:nvPicPr>
+          <p:cNvPr id="11" name="Imagem 10" descr="posicao.jpg"/>
+          <p:cNvPicPr/>
+          <p:nvPr/>
+        </p:nvPicPr>
+        <p:blipFill>
+          <a:blip r:embed="rId6" cstate="print"/>
+          <a:stretch>
+            <a:fillRect/>
+          </a:stretch>
+        </p:blipFill>
+        <p:spPr>
+          <a:xfrm>
+            <a:off x="2148840" y="4248558"/>
+            <a:ext cx="2517866" cy="1923642"/>
+          </a:xfrm>
+          <a:prstGeom prst="rect">
+            <a:avLst/>
+          </a:prstGeom>
+        </p:spPr>
+      </p:pic>
+      <p:sp>
+        <p:nvSpPr>
+          <p:cNvPr id="12" name="CaixaDeTexto 11"/>
+          <p:cNvSpPr txBox="1"/>
+          <p:nvPr/>
+        </p:nvSpPr>
+        <p:spPr>
+          <a:xfrm>
+            <a:off x="1793217" y="4248558"/>
+            <a:ext cx="3489289" cy="369332"/>
+          </a:xfrm>
+          <a:prstGeom prst="rect">
+            <a:avLst/>
+          </a:prstGeom>
+          <a:noFill/>
+        </p:spPr>
+        <p:txBody>
+          <a:bodyPr wrap="none" rtlCol="0">
+            <a:spAutoFit/>
+          </a:bodyPr>
+          <a:lstStyle/>
+          <a:p>
+            <a:r>
+              <a:rPr lang="pt-BR" b="1" dirty="0" smtClean="0"/>
+              <a:t>Não alterar posição dos elementos</a:t>
+            </a:r>
+          </a:p>
+        </p:txBody>
+      </p:sp>
+      <p:pic>
+        <p:nvPicPr>
+          <p:cNvPr id="13" name="Imagem 12" descr="cores.jpg"/>
+          <p:cNvPicPr/>
+          <p:nvPr/>
+        </p:nvPicPr>
+        <p:blipFill>
+          <a:blip r:embed="rId7" cstate="print"/>
+          <a:stretch>
+            <a:fillRect/>
+          </a:stretch>
+        </p:blipFill>
+        <p:spPr>
+          <a:xfrm>
+            <a:off x="5531802" y="4503624"/>
+            <a:ext cx="2103438" cy="1668576"/>
+          </a:xfrm>
+          <a:prstGeom prst="rect">
+            <a:avLst/>
+          </a:prstGeom>
+        </p:spPr>
+      </p:pic>
+      <p:sp>
+        <p:nvSpPr>
+          <p:cNvPr id="14" name="CaixaDeTexto 13"/>
+          <p:cNvSpPr txBox="1"/>
+          <p:nvPr/>
+        </p:nvSpPr>
+        <p:spPr>
+          <a:xfrm>
+            <a:off x="5515111" y="4271622"/>
+            <a:ext cx="2077428" cy="369332"/>
+          </a:xfrm>
+          <a:prstGeom prst="rect">
+            <a:avLst/>
+          </a:prstGeom>
+          <a:noFill/>
+        </p:spPr>
+        <p:txBody>
+          <a:bodyPr wrap="none" rtlCol="0">
+            <a:spAutoFit/>
+          </a:bodyPr>
+          <a:lstStyle/>
+          <a:p>
+            <a:r>
+              <a:rPr lang="pt-BR" b="1" dirty="0" smtClean="0"/>
+              <a:t>Não alterar as cores</a:t>
+            </a:r>
+            <a:endParaRPr lang="pt-BR" b="1" dirty="0"/>
+          </a:p>
+        </p:txBody>
+      </p:sp>
+      <p:pic>
+        <p:nvPicPr>
+          <p:cNvPr id="15" name="Imagem 14" descr="distorcer.jpg"/>
+          <p:cNvPicPr/>
+          <p:nvPr/>
+        </p:nvPicPr>
+        <p:blipFill>
+          <a:blip r:embed="rId8" cstate="print"/>
+          <a:stretch>
+            <a:fillRect/>
+          </a:stretch>
+        </p:blipFill>
+        <p:spPr>
+          <a:xfrm>
+            <a:off x="8500336" y="4514826"/>
+            <a:ext cx="2038124" cy="1531246"/>
+          </a:xfrm>
+          <a:prstGeom prst="rect">
+            <a:avLst/>
+          </a:prstGeom>
+        </p:spPr>
+      </p:pic>
+      <p:sp>
+        <p:nvSpPr>
+          <p:cNvPr id="16" name="CaixaDeTexto 15"/>
+          <p:cNvSpPr txBox="1"/>
+          <p:nvPr/>
+        </p:nvSpPr>
+        <p:spPr>
+          <a:xfrm>
+            <a:off x="8685451" y="4271826"/>
+            <a:ext cx="1468607" cy="369332"/>
+          </a:xfrm>
+          <a:prstGeom prst="rect">
+            <a:avLst/>
+          </a:prstGeom>
+          <a:noFill/>
+        </p:spPr>
+        <p:txBody>
+          <a:bodyPr wrap="none" rtlCol="0">
+            <a:spAutoFit/>
+          </a:bodyPr>
+          <a:lstStyle/>
+          <a:p>
+            <a:r>
+              <a:rPr lang="pt-BR" b="1" dirty="0" smtClean="0"/>
+              <a:t>Não distorcer</a:t>
+            </a:r>
+            <a:endParaRPr lang="pt-BR" b="1" dirty="0"/>
+          </a:p>
+        </p:txBody>
+      </p:sp>
+      <p:sp>
+        <p:nvSpPr>
+          <p:cNvPr id="17" name="CaixaDeTexto 16"/>
+          <p:cNvSpPr txBox="1"/>
+          <p:nvPr/>
+        </p:nvSpPr>
+        <p:spPr>
+          <a:xfrm>
+            <a:off x="3096204" y="296390"/>
+            <a:ext cx="5754781" cy="707886"/>
+          </a:xfrm>
+          <a:prstGeom prst="rect">
+            <a:avLst/>
+          </a:prstGeom>
+          <a:noFill/>
+        </p:spPr>
+        <p:txBody>
+          <a:bodyPr wrap="none" rtlCol="0">
+            <a:spAutoFit/>
+          </a:bodyPr>
+          <a:lstStyle/>
+          <a:p>
+            <a:pPr algn="ctr"/>
+            <a:r>
+              <a:rPr lang="pt-BR" sz="4000" b="1" dirty="0" smtClean="0"/>
+              <a:t>Proibição</a:t>
+            </a:r>
+            <a:r>
+              <a:rPr lang="pt-BR" sz="2800" b="1" dirty="0" smtClean="0"/>
+              <a:t> </a:t>
+            </a:r>
+            <a:r>
+              <a:rPr lang="pt-BR" sz="4000" b="1" dirty="0" smtClean="0"/>
+              <a:t>do uso da marca</a:t>
+            </a:r>
+            <a:endParaRPr lang="pt-BR" sz="4000" b="1" dirty="0"/>
+          </a:p>
+        </p:txBody>
+      </p:sp>
+      <p:sp>
+        <p:nvSpPr>
+          <p:cNvPr id="43" name="Fluxograma: Processo 42"/>
+          <p:cNvSpPr/>
+          <p:nvPr/>
+        </p:nvSpPr>
+        <p:spPr>
+          <a:xfrm>
+            <a:off x="966155" y="978590"/>
+            <a:ext cx="9025246" cy="78377"/>
+          </a:xfrm>
+          <a:prstGeom prst="flowChartProcess">
+            <a:avLst/>
+          </a:prstGeom>
+          <a:ln>
+            <a:solidFill>
+              <a:schemeClr val="accent1">
+                <a:lumMod val="75000"/>
+              </a:schemeClr>
+            </a:solidFill>
+          </a:ln>
+        </p:spPr>
+        <p:style>
+          <a:lnRef idx="2">
+            <a:schemeClr val="accent1">
+              <a:shade val="50000"/>
+            </a:schemeClr>
+          </a:lnRef>
+          <a:fillRef idx="1">
+            <a:schemeClr val="accent1"/>
+          </a:fillRef>
+          <a:effectRef idx="0">
+            <a:schemeClr val="accent1"/>
+          </a:effectRef>
+          <a:fontRef idx="minor">
+            <a:schemeClr val="lt1"/>
+          </a:fontRef>
+        </p:style>
+        <p:txBody>
+          <a:bodyPr rtlCol="0" anchor="ctr"/>
+          <a:lstStyle/>
+          <a:p>
+            <a:pPr algn="ctr"/>
+            <a:endParaRPr lang="pt-BR"/>
+          </a:p>
+        </p:txBody>
+      </p:sp>
+      <p:sp>
+        <p:nvSpPr>
+          <p:cNvPr id="44" name="Fluxograma: Processo 43"/>
+          <p:cNvSpPr/>
+          <p:nvPr/>
+        </p:nvSpPr>
+        <p:spPr>
+          <a:xfrm>
+            <a:off x="947105" y="140390"/>
+            <a:ext cx="9025246" cy="78377"/>
+          </a:xfrm>
+          <a:prstGeom prst="flowChartProcess">
+            <a:avLst/>
+          </a:prstGeom>
+          <a:ln>
+            <a:solidFill>
+              <a:schemeClr val="accent1">
+                <a:lumMod val="75000"/>
+              </a:schemeClr>
+            </a:solidFill>
+          </a:ln>
+        </p:spPr>
+        <p:style>
+          <a:lnRef idx="2">
+            <a:schemeClr val="accent1">
+              <a:shade val="50000"/>
+            </a:schemeClr>
+          </a:lnRef>
+          <a:fillRef idx="1">
+            <a:schemeClr val="accent1"/>
+          </a:fillRef>
+          <a:effectRef idx="0">
+            <a:schemeClr val="accent1"/>
+          </a:effectRef>
+          <a:fontRef idx="minor">
+            <a:schemeClr val="lt1"/>
+          </a:fontRef>
+        </p:style>
+        <p:txBody>
+          <a:bodyPr rtlCol="0" anchor="ctr"/>
+          <a:lstStyle/>
+          <a:p>
+            <a:pPr algn="ctr"/>
+            <a:endParaRPr lang="pt-BR"/>
+          </a:p>
+        </p:txBody>
+      </p:sp>
+      <p:sp>
+        <p:nvSpPr>
+          <p:cNvPr id="45" name="Retângulo Arredondado 44"/>
+          <p:cNvSpPr/>
+          <p:nvPr/>
+        </p:nvSpPr>
+        <p:spPr>
+          <a:xfrm>
+            <a:off x="880108" y="1231584"/>
+            <a:ext cx="9997442" cy="4754879"/>
+          </a:xfrm>
+          <a:prstGeom prst="roundRect">
+            <a:avLst/>
+          </a:prstGeom>
+          <a:noFill/>
+          <a:ln w="9525" cap="flat" cmpd="sng" algn="ctr">
+            <a:solidFill>
+              <a:schemeClr val="accent1">
+                <a:lumMod val="75000"/>
+              </a:schemeClr>
+            </a:solidFill>
+            <a:prstDash val="solid"/>
+            <a:round/>
+            <a:headEnd type="none" w="med" len="med"/>
+            <a:tailEnd type="none" w="med" len="med"/>
+          </a:ln>
+        </p:spPr>
+        <p:style>
+          <a:lnRef idx="0">
+            <a:scrgbClr r="0" g="0" b="0"/>
+          </a:lnRef>
+          <a:fillRef idx="0">
+            <a:scrgbClr r="0" g="0" b="0"/>
+          </a:fillRef>
+          <a:effectRef idx="0">
+            <a:scrgbClr r="0" g="0" b="0"/>
+          </a:effectRef>
+          <a:fontRef idx="minor">
+            <a:schemeClr val="dk1"/>
+          </a:fontRef>
+        </p:style>
+        <p:txBody>
+          <a:bodyPr rtlCol="0" anchor="ctr"/>
+          <a:lstStyle/>
+          <a:p>
+            <a:pPr algn="ctr"/>
+            <a:endParaRPr lang="pt-BR"/>
+          </a:p>
+        </p:txBody>
+      </p:sp>
+      <p:sp>
+        <p:nvSpPr>
+          <p:cNvPr id="46" name="Triângulo isósceles 45"/>
+          <p:cNvSpPr/>
+          <p:nvPr/>
+        </p:nvSpPr>
+        <p:spPr>
+          <a:xfrm rot="17017707" flipV="1">
+            <a:off x="-1808661" y="3817351"/>
+            <a:ext cx="4843486" cy="6002703"/>
+          </a:xfrm>
+          <a:prstGeom prst="triangle">
+            <a:avLst>
+              <a:gd name="adj" fmla="val 41047"/>
+            </a:avLst>
+          </a:prstGeom>
+        </p:spPr>
+        <p:style>
+          <a:lnRef idx="2">
+            <a:schemeClr val="accent1">
+              <a:shade val="50000"/>
+            </a:schemeClr>
+          </a:lnRef>
+          <a:fillRef idx="1">
+            <a:schemeClr val="accent1"/>
+          </a:fillRef>
+          <a:effectRef idx="0">
+            <a:schemeClr val="accent1"/>
+          </a:effectRef>
+          <a:fontRef idx="minor">
+            <a:schemeClr val="lt1"/>
+          </a:fontRef>
+        </p:style>
+        <p:txBody>
+          <a:bodyPr rtlCol="0" anchor="ctr"/>
+          <a:lstStyle/>
+          <a:p>
+            <a:pPr algn="ctr"/>
             <a:endParaRPr lang="pt-BR" dirty="0"/>
           </a:p>
         </p:txBody>
       </p:sp>
       <p:sp>
         <p:nvSpPr>
-          <p:cNvPr id="3" name="Espaço Reservado para Conteúdo 2"/>
-          <p:cNvSpPr>
-            <a:spLocks noGrp="1"/>
-          </p:cNvSpPr>
-          <p:nvPr>
-            <p:ph idx="1"/>
-          </p:nvPr>
-        </p:nvSpPr>
-        <p:spPr/>
-        <p:txBody>
-          <a:bodyPr/>
-          <a:lstStyle/>
-          <a:p>
-            <a:endParaRPr lang="pt-BR"/>
+          <p:cNvPr id="47" name="Triângulo isósceles 46"/>
+          <p:cNvSpPr/>
+          <p:nvPr/>
+        </p:nvSpPr>
+        <p:spPr>
+          <a:xfrm rot="20114768" flipV="1">
+            <a:off x="10350959" y="-2409215"/>
+            <a:ext cx="4843486" cy="6002703"/>
+          </a:xfrm>
+          <a:prstGeom prst="triangle">
+            <a:avLst>
+              <a:gd name="adj" fmla="val 41047"/>
+            </a:avLst>
+          </a:prstGeom>
+        </p:spPr>
+        <p:style>
+          <a:lnRef idx="2">
+            <a:schemeClr val="accent1">
+              <a:shade val="50000"/>
+            </a:schemeClr>
+          </a:lnRef>
+          <a:fillRef idx="1">
+            <a:schemeClr val="accent1"/>
+          </a:fillRef>
+          <a:effectRef idx="0">
+            <a:schemeClr val="accent1"/>
+          </a:effectRef>
+          <a:fontRef idx="minor">
+            <a:schemeClr val="lt1"/>
+          </a:fontRef>
+        </p:style>
+        <p:txBody>
+          <a:bodyPr rtlCol="0" anchor="ctr"/>
+          <a:lstStyle/>
+          <a:p>
+            <a:pPr algn="ctr"/>
+            <a:endParaRPr lang="pt-BR" dirty="0"/>
           </a:p>
         </p:txBody>
       </p:sp>
     </p:spTree>
     <p:extLst>
       <p:ext uri="{BB962C8B-B14F-4D97-AF65-F5344CB8AC3E}">
-        <p14:creationId xmlns:p14="http://schemas.microsoft.com/office/powerpoint/2010/main" val="3246858554"/>
+        <p14:creationId xmlns:p14="http://schemas.microsoft.com/office/powerpoint/2010/main" xmlns="" val="1853938100"/>
       </p:ext>
     </p:extLst>
   </p:cSld>
@@ -6736,7 +8131,7 @@
     </a:clrScheme>
     <a:fontScheme name="Office">
       <a:majorFont>
-        <a:latin typeface="Calibri Light" panose="020F0302020204030204"/>
+        <a:latin typeface="Calibri Light"/>
         <a:ea typeface=""/>
         <a:cs typeface=""/>
         <a:font script="Jpan" typeface="游ゴシック Light"/>
@@ -6771,7 +8166,7 @@
         <a:font script="Geor" typeface="Sylfaen"/>
       </a:majorFont>
       <a:minorFont>
-        <a:latin typeface="Calibri" panose="020F0502020204030204"/>
+        <a:latin typeface="Calibri"/>
         <a:ea typeface=""/>
         <a:cs typeface=""/>
         <a:font script="Jpan" typeface="游ゴシック"/>
@@ -6948,8 +8343,291 @@
   <a:extraClrSchemeLst/>
   <a:extLst>
     <a:ext uri="{05A4C25C-085E-4340-85A3-A5531E510DB2}">
-      <thm15:themeFamily xmlns:thm15="http://schemas.microsoft.com/office/thememl/2012/main" name="Office Theme" id="{62F939B6-93AF-4DB8-9C6B-D6C7DFDC589F}" vid="{4A3C46E8-61CC-4603-A589-7422A47A8E4A}"/>
+      <thm15:themeFamily xmlns:thm15="http://schemas.microsoft.com/office/thememl/2012/main" xmlns="" name="Office Theme" id="{62F939B6-93AF-4DB8-9C6B-D6C7DFDC589F}" vid="{4A3C46E8-61CC-4603-A589-7422A47A8E4A}"/>
     </a:ext>
   </a:extLst>
 </a:theme>
+</file>
+
+<file path=ppt/theme/theme2.xml><?xml version="1.0" encoding="utf-8"?>
+<a:theme xmlns:a="http://schemas.openxmlformats.org/drawingml/2006/main" name="Tema do Office">
+  <a:themeElements>
+    <a:clrScheme name="Escritório">
+      <a:dk1>
+        <a:sysClr val="windowText" lastClr="000000"/>
+      </a:dk1>
+      <a:lt1>
+        <a:sysClr val="window" lastClr="FFFFFF"/>
+      </a:lt1>
+      <a:dk2>
+        <a:srgbClr val="1F497D"/>
+      </a:dk2>
+      <a:lt2>
+        <a:srgbClr val="EEECE1"/>
+      </a:lt2>
+      <a:accent1>
+        <a:srgbClr val="4F81BD"/>
+      </a:accent1>
+      <a:accent2>
+        <a:srgbClr val="C0504D"/>
+      </a:accent2>
+      <a:accent3>
+        <a:srgbClr val="9BBB59"/>
+      </a:accent3>
+      <a:accent4>
+        <a:srgbClr val="8064A2"/>
+      </a:accent4>
+      <a:accent5>
+        <a:srgbClr val="4BACC6"/>
+      </a:accent5>
+      <a:accent6>
+        <a:srgbClr val="F79646"/>
+      </a:accent6>
+      <a:hlink>
+        <a:srgbClr val="0000FF"/>
+      </a:hlink>
+      <a:folHlink>
+        <a:srgbClr val="800080"/>
+      </a:folHlink>
+    </a:clrScheme>
+    <a:fontScheme name="Escritório">
+      <a:majorFont>
+        <a:latin typeface="Calibri"/>
+        <a:ea typeface=""/>
+        <a:cs typeface=""/>
+        <a:font script="Jpan" typeface="ＭＳ Ｐゴシック"/>
+        <a:font script="Hang" typeface="맑은 고딕"/>
+        <a:font script="Hans" typeface="宋体"/>
+        <a:font script="Hant" typeface="新細明體"/>
+        <a:font script="Arab" typeface="Times New Roman"/>
+        <a:font script="Hebr" typeface="Times New Roman"/>
+        <a:font script="Thai" typeface="Angsana New"/>
+        <a:font script="Ethi" typeface="Nyala"/>
+        <a:font script="Beng" typeface="Vrinda"/>
+        <a:font script="Gujr" typeface="Shruti"/>
+        <a:font script="Khmr" typeface="MoolBoran"/>
+        <a:font script="Knda" typeface="Tunga"/>
+        <a:font script="Guru" typeface="Raavi"/>
+        <a:font script="Cans" typeface="Euphemia"/>
+        <a:font script="Cher" typeface="Plantagenet Cherokee"/>
+        <a:font script="Yiii" typeface="Microsoft Yi Baiti"/>
+        <a:font script="Tibt" typeface="Microsoft Himalaya"/>
+        <a:font script="Thaa" typeface="MV Boli"/>
+        <a:font script="Deva" typeface="Mangal"/>
+        <a:font script="Telu" typeface="Gautami"/>
+        <a:font script="Taml" typeface="Latha"/>
+        <a:font script="Syrc" typeface="Estrangelo Edessa"/>
+        <a:font script="Orya" typeface="Kalinga"/>
+        <a:font script="Mlym" typeface="Kartika"/>
+        <a:font script="Laoo" typeface="DokChampa"/>
+        <a:font script="Sinh" typeface="Iskoola Pota"/>
+        <a:font script="Mong" typeface="Mongolian Baiti"/>
+        <a:font script="Viet" typeface="Times New Roman"/>
+        <a:font script="Uigh" typeface="Microsoft Uighur"/>
+      </a:majorFont>
+      <a:minorFont>
+        <a:latin typeface="Calibri"/>
+        <a:ea typeface=""/>
+        <a:cs typeface=""/>
+        <a:font script="Jpan" typeface="ＭＳ Ｐゴシック"/>
+        <a:font script="Hang" typeface="맑은 고딕"/>
+        <a:font script="Hans" typeface="宋体"/>
+        <a:font script="Hant" typeface="新細明體"/>
+        <a:font script="Arab" typeface="Arial"/>
+        <a:font script="Hebr" typeface="Arial"/>
+        <a:font script="Thai" typeface="Cordia New"/>
+        <a:font script="Ethi" typeface="Nyala"/>
+        <a:font script="Beng" typeface="Vrinda"/>
+        <a:font script="Gujr" typeface="Shruti"/>
+        <a:font script="Khmr" typeface="DaunPenh"/>
+        <a:font script="Knda" typeface="Tunga"/>
+        <a:font script="Guru" typeface="Raavi"/>
+        <a:font script="Cans" typeface="Euphemia"/>
+        <a:font script="Cher" typeface="Plantagenet Cherokee"/>
+        <a:font script="Yiii" typeface="Microsoft Yi Baiti"/>
+        <a:font script="Tibt" typeface="Microsoft Himalaya"/>
+        <a:font script="Thaa" typeface="MV Boli"/>
+        <a:font script="Deva" typeface="Mangal"/>
+        <a:font script="Telu" typeface="Gautami"/>
+        <a:font script="Taml" typeface="Latha"/>
+        <a:font script="Syrc" typeface="Estrangelo Edessa"/>
+        <a:font script="Orya" typeface="Kalinga"/>
+        <a:font script="Mlym" typeface="Kartika"/>
+        <a:font script="Laoo" typeface="DokChampa"/>
+        <a:font script="Sinh" typeface="Iskoola Pota"/>
+        <a:font script="Mong" typeface="Mongolian Baiti"/>
+        <a:font script="Viet" typeface="Arial"/>
+        <a:font script="Uigh" typeface="Microsoft Uighur"/>
+      </a:minorFont>
+    </a:fontScheme>
+    <a:fmtScheme name="Escritório">
+      <a:fillStyleLst>
+        <a:solidFill>
+          <a:schemeClr val="phClr"/>
+        </a:solidFill>
+        <a:gradFill rotWithShape="1">
+          <a:gsLst>
+            <a:gs pos="0">
+              <a:schemeClr val="phClr">
+                <a:tint val="50000"/>
+                <a:satMod val="300000"/>
+              </a:schemeClr>
+            </a:gs>
+            <a:gs pos="35000">
+              <a:schemeClr val="phClr">
+                <a:tint val="37000"/>
+                <a:satMod val="300000"/>
+              </a:schemeClr>
+            </a:gs>
+            <a:gs pos="100000">
+              <a:schemeClr val="phClr">
+                <a:tint val="15000"/>
+                <a:satMod val="350000"/>
+              </a:schemeClr>
+            </a:gs>
+          </a:gsLst>
+          <a:lin ang="16200000" scaled="1"/>
+        </a:gradFill>
+        <a:gradFill rotWithShape="1">
+          <a:gsLst>
+            <a:gs pos="0">
+              <a:schemeClr val="phClr">
+                <a:shade val="51000"/>
+                <a:satMod val="130000"/>
+              </a:schemeClr>
+            </a:gs>
+            <a:gs pos="80000">
+              <a:schemeClr val="phClr">
+                <a:shade val="93000"/>
+                <a:satMod val="130000"/>
+              </a:schemeClr>
+            </a:gs>
+            <a:gs pos="100000">
+              <a:schemeClr val="phClr">
+                <a:shade val="94000"/>
+                <a:satMod val="135000"/>
+              </a:schemeClr>
+            </a:gs>
+          </a:gsLst>
+          <a:lin ang="16200000" scaled="0"/>
+        </a:gradFill>
+      </a:fillStyleLst>
+      <a:lnStyleLst>
+        <a:ln w="9525" cap="flat" cmpd="sng" algn="ctr">
+          <a:solidFill>
+            <a:schemeClr val="phClr">
+              <a:shade val="95000"/>
+              <a:satMod val="105000"/>
+            </a:schemeClr>
+          </a:solidFill>
+          <a:prstDash val="solid"/>
+        </a:ln>
+        <a:ln w="25400" cap="flat" cmpd="sng" algn="ctr">
+          <a:solidFill>
+            <a:schemeClr val="phClr"/>
+          </a:solidFill>
+          <a:prstDash val="solid"/>
+        </a:ln>
+        <a:ln w="38100" cap="flat" cmpd="sng" algn="ctr">
+          <a:solidFill>
+            <a:schemeClr val="phClr"/>
+          </a:solidFill>
+          <a:prstDash val="solid"/>
+        </a:ln>
+      </a:lnStyleLst>
+      <a:effectStyleLst>
+        <a:effectStyle>
+          <a:effectLst>
+            <a:outerShdw blurRad="40000" dist="20000" dir="5400000" rotWithShape="0">
+              <a:srgbClr val="000000">
+                <a:alpha val="38000"/>
+              </a:srgbClr>
+            </a:outerShdw>
+          </a:effectLst>
+        </a:effectStyle>
+        <a:effectStyle>
+          <a:effectLst>
+            <a:outerShdw blurRad="40000" dist="23000" dir="5400000" rotWithShape="0">
+              <a:srgbClr val="000000">
+                <a:alpha val="35000"/>
+              </a:srgbClr>
+            </a:outerShdw>
+          </a:effectLst>
+        </a:effectStyle>
+        <a:effectStyle>
+          <a:effectLst>
+            <a:outerShdw blurRad="40000" dist="23000" dir="5400000" rotWithShape="0">
+              <a:srgbClr val="000000">
+                <a:alpha val="35000"/>
+              </a:srgbClr>
+            </a:outerShdw>
+          </a:effectLst>
+          <a:scene3d>
+            <a:camera prst="orthographicFront">
+              <a:rot lat="0" lon="0" rev="0"/>
+            </a:camera>
+            <a:lightRig rig="threePt" dir="t">
+              <a:rot lat="0" lon="0" rev="1200000"/>
+            </a:lightRig>
+          </a:scene3d>
+          <a:sp3d>
+            <a:bevelT w="63500" h="25400"/>
+          </a:sp3d>
+        </a:effectStyle>
+      </a:effectStyleLst>
+      <a:bgFillStyleLst>
+        <a:solidFill>
+          <a:schemeClr val="phClr"/>
+        </a:solidFill>
+        <a:gradFill rotWithShape="1">
+          <a:gsLst>
+            <a:gs pos="0">
+              <a:schemeClr val="phClr">
+                <a:tint val="40000"/>
+                <a:satMod val="350000"/>
+              </a:schemeClr>
+            </a:gs>
+            <a:gs pos="40000">
+              <a:schemeClr val="phClr">
+                <a:tint val="45000"/>
+                <a:shade val="99000"/>
+                <a:satMod val="350000"/>
+              </a:schemeClr>
+            </a:gs>
+            <a:gs pos="100000">
+              <a:schemeClr val="phClr">
+                <a:shade val="20000"/>
+                <a:satMod val="255000"/>
+              </a:schemeClr>
+            </a:gs>
+          </a:gsLst>
+          <a:path path="circle">
+            <a:fillToRect l="50000" t="-80000" r="50000" b="180000"/>
+          </a:path>
+        </a:gradFill>
+        <a:gradFill rotWithShape="1">
+          <a:gsLst>
+            <a:gs pos="0">
+              <a:schemeClr val="phClr">
+                <a:tint val="80000"/>
+                <a:satMod val="300000"/>
+              </a:schemeClr>
+            </a:gs>
+            <a:gs pos="100000">
+              <a:schemeClr val="phClr">
+                <a:shade val="30000"/>
+                <a:satMod val="200000"/>
+              </a:schemeClr>
+            </a:gs>
+          </a:gsLst>
+          <a:path path="circle">
+            <a:fillToRect l="50000" t="50000" r="50000" b="50000"/>
+          </a:path>
+        </a:gradFill>
+      </a:bgFillStyleLst>
+    </a:fmtScheme>
+  </a:themeElements>
+  <a:objectDefaults/>
+  <a:extraClrSchemeLst/>
+</a:theme>
 </file>